--- a/doc/figs.pptx
+++ b/doc/figs.pptx
@@ -22065,7 +22065,7 @@
       </p:grpSp>
       <p:grpSp>
         <p:nvGrpSpPr>
-          <p:cNvPr id="11" name="Group 10"/>
+          <p:cNvPr id="13" name="Group 12"/>
           <p:cNvGrpSpPr/>
           <p:nvPr/>
         </p:nvGrpSpPr>
@@ -22077,1875 +22077,1029 @@
             <a:chExt cx="8229600" cy="4648200"/>
           </a:xfrm>
         </p:grpSpPr>
-        <p:grpSp>
-          <p:nvGrpSpPr>
-            <p:cNvPr id="19" name="Group 18"/>
-            <p:cNvGrpSpPr/>
+        <p:sp>
+          <p:nvSpPr>
+            <p:cNvPr id="61442" name="AutoShape 3"/>
+            <p:cNvSpPr>
+              <a:spLocks noChangeArrowheads="1"/>
+            </p:cNvSpPr>
             <p:nvPr/>
-          </p:nvGrpSpPr>
-          <p:grpSpPr>
+          </p:nvSpPr>
+          <p:spPr bwMode="auto">
             <a:xfrm>
               <a:off x="609600" y="2209800"/>
               <a:ext cx="5296726" cy="3048000"/>
-              <a:chOff x="609600" y="2514600"/>
-              <a:chExt cx="5296726" cy="3048000"/>
             </a:xfrm>
-          </p:grpSpPr>
-          <p:sp>
-            <p:nvSpPr>
-              <p:cNvPr id="61442" name="AutoShape 3"/>
-              <p:cNvSpPr>
-                <a:spLocks noChangeArrowheads="1"/>
-              </p:cNvSpPr>
-              <p:nvPr/>
-            </p:nvSpPr>
-            <p:spPr bwMode="auto">
-              <a:xfrm>
-                <a:off x="609600" y="2514600"/>
-                <a:ext cx="5296726" cy="3048000"/>
-              </a:xfrm>
-              <a:prstGeom prst="roundRect">
-                <a:avLst>
-                  <a:gd name="adj" fmla="val 16667"/>
-                </a:avLst>
-              </a:prstGeom>
+            <a:prstGeom prst="roundRect">
+              <a:avLst>
+                <a:gd name="adj" fmla="val 16667"/>
+              </a:avLst>
+            </a:prstGeom>
+            <a:solidFill>
+              <a:srgbClr val="FFFFFF"/>
+            </a:solidFill>
+            <a:ln w="25400">
               <a:solidFill>
-                <a:srgbClr val="FFFFFF"/>
+                <a:srgbClr val="7F7F7F"/>
               </a:solidFill>
-              <a:ln w="25400">
+              <a:miter lim="800000"/>
+              <a:headEnd/>
+              <a:tailEnd/>
+            </a:ln>
+          </p:spPr>
+          <p:txBody>
+            <a:bodyPr wrap="none" lIns="365760" tIns="46800" rIns="90000" bIns="46800">
+              <a:prstTxWarp prst="textNoShape">
+                <a:avLst/>
+              </a:prstTxWarp>
+            </a:bodyPr>
+            <a:lstStyle/>
+            <a:p>
+              <a:pPr fontAlgn="auto">
+                <a:spcBef>
+                  <a:spcPts val="0"/>
+                </a:spcBef>
+                <a:spcAft>
+                  <a:spcPts val="0"/>
+                </a:spcAft>
+                <a:buFont typeface="Verdana" charset="0"/>
+                <a:buNone/>
+                <a:tabLst>
+                  <a:tab pos="0" algn="l"/>
+                  <a:tab pos="914400" algn="l"/>
+                  <a:tab pos="1828800" algn="l"/>
+                  <a:tab pos="2743200" algn="l"/>
+                  <a:tab pos="3657600" algn="l"/>
+                  <a:tab pos="4572000" algn="l"/>
+                  <a:tab pos="5486400" algn="l"/>
+                  <a:tab pos="6400800" algn="l"/>
+                  <a:tab pos="7315200" algn="l"/>
+                  <a:tab pos="8229600" algn="l"/>
+                  <a:tab pos="9144000" algn="l"/>
+                  <a:tab pos="10058400" algn="l"/>
+                </a:tabLst>
+              </a:pPr>
+              <a:endParaRPr lang="en-US" sz="1600" dirty="0" smtClean="0">
                 <a:solidFill>
-                  <a:srgbClr val="7F7F7F"/>
+                  <a:srgbClr val="000000"/>
                 </a:solidFill>
-                <a:miter lim="800000"/>
-                <a:headEnd/>
-                <a:tailEnd/>
-              </a:ln>
-            </p:spPr>
-            <p:txBody>
-              <a:bodyPr wrap="none" lIns="365760" tIns="46800" rIns="90000" bIns="46800">
-                <a:prstTxWarp prst="textNoShape">
-                  <a:avLst/>
-                </a:prstTxWarp>
-              </a:bodyPr>
-              <a:lstStyle/>
-              <a:p>
-                <a:pPr fontAlgn="auto">
-                  <a:spcBef>
-                    <a:spcPts val="0"/>
-                  </a:spcBef>
-                  <a:spcAft>
-                    <a:spcPts val="0"/>
-                  </a:spcAft>
-                  <a:buFont typeface="Verdana" charset="0"/>
-                  <a:buNone/>
-                  <a:tabLst>
-                    <a:tab pos="0" algn="l"/>
-                    <a:tab pos="914400" algn="l"/>
-                    <a:tab pos="1828800" algn="l"/>
-                    <a:tab pos="2743200" algn="l"/>
-                    <a:tab pos="3657600" algn="l"/>
-                    <a:tab pos="4572000" algn="l"/>
-                    <a:tab pos="5486400" algn="l"/>
-                    <a:tab pos="6400800" algn="l"/>
-                    <a:tab pos="7315200" algn="l"/>
-                    <a:tab pos="8229600" algn="l"/>
-                    <a:tab pos="9144000" algn="l"/>
-                    <a:tab pos="10058400" algn="l"/>
-                  </a:tabLst>
-                </a:pPr>
-                <a:endParaRPr lang="en-US" sz="1600" dirty="0" smtClean="0">
-                  <a:solidFill>
-                    <a:srgbClr val="000000"/>
-                  </a:solidFill>
-                  <a:latin typeface="Verdana" charset="0"/>
-                  <a:ea typeface="Arial" charset="0"/>
-                  <a:cs typeface="Arial" charset="0"/>
-                </a:endParaRPr>
-              </a:p>
-              <a:p>
-                <a:pPr fontAlgn="auto">
-                  <a:spcBef>
-                    <a:spcPts val="0"/>
-                  </a:spcBef>
-                  <a:spcAft>
-                    <a:spcPts val="0"/>
-                  </a:spcAft>
-                  <a:buFont typeface="Verdana" charset="0"/>
-                  <a:buNone/>
-                  <a:tabLst>
-                    <a:tab pos="0" algn="l"/>
-                    <a:tab pos="914400" algn="l"/>
-                    <a:tab pos="1828800" algn="l"/>
-                    <a:tab pos="2743200" algn="l"/>
-                    <a:tab pos="3657600" algn="l"/>
-                    <a:tab pos="4572000" algn="l"/>
-                    <a:tab pos="5486400" algn="l"/>
-                    <a:tab pos="6400800" algn="l"/>
-                    <a:tab pos="7315200" algn="l"/>
-                    <a:tab pos="8229600" algn="l"/>
-                    <a:tab pos="9144000" algn="l"/>
-                    <a:tab pos="10058400" algn="l"/>
-                  </a:tabLst>
-                </a:pPr>
-                <a:endParaRPr lang="en-US" sz="1600" dirty="0" smtClean="0">
-                  <a:solidFill>
-                    <a:srgbClr val="000000"/>
-                  </a:solidFill>
-                  <a:latin typeface="Verdana" charset="0"/>
-                  <a:ea typeface="Arial" charset="0"/>
-                  <a:cs typeface="Arial" charset="0"/>
-                </a:endParaRPr>
-              </a:p>
-              <a:p>
-                <a:pPr fontAlgn="auto">
-                  <a:spcBef>
-                    <a:spcPts val="0"/>
-                  </a:spcBef>
-                  <a:spcAft>
-                    <a:spcPts val="0"/>
-                  </a:spcAft>
-                  <a:buFont typeface="Verdana" charset="0"/>
-                  <a:buNone/>
-                  <a:tabLst>
-                    <a:tab pos="0" algn="l"/>
-                    <a:tab pos="914400" algn="l"/>
-                    <a:tab pos="1828800" algn="l"/>
-                    <a:tab pos="2743200" algn="l"/>
-                    <a:tab pos="3657600" algn="l"/>
-                    <a:tab pos="4572000" algn="l"/>
-                    <a:tab pos="5486400" algn="l"/>
-                    <a:tab pos="6400800" algn="l"/>
-                    <a:tab pos="7315200" algn="l"/>
-                    <a:tab pos="8229600" algn="l"/>
-                    <a:tab pos="9144000" algn="l"/>
-                    <a:tab pos="10058400" algn="l"/>
-                  </a:tabLst>
-                </a:pPr>
-                <a:endParaRPr lang="en-US" sz="1600" dirty="0" smtClean="0">
-                  <a:solidFill>
-                    <a:srgbClr val="000000"/>
-                  </a:solidFill>
-                  <a:latin typeface="Verdana" charset="0"/>
-                  <a:ea typeface="Arial" charset="0"/>
-                  <a:cs typeface="Arial" charset="0"/>
-                </a:endParaRPr>
-              </a:p>
-              <a:p>
-                <a:pPr fontAlgn="auto">
-                  <a:spcBef>
-                    <a:spcPts val="0"/>
-                  </a:spcBef>
-                  <a:spcAft>
-                    <a:spcPts val="0"/>
-                  </a:spcAft>
-                  <a:buFont typeface="Verdana" charset="0"/>
-                  <a:buNone/>
-                  <a:tabLst>
-                    <a:tab pos="0" algn="l"/>
-                    <a:tab pos="914400" algn="l"/>
-                    <a:tab pos="1828800" algn="l"/>
-                    <a:tab pos="2743200" algn="l"/>
-                    <a:tab pos="3657600" algn="l"/>
-                    <a:tab pos="4572000" algn="l"/>
-                    <a:tab pos="5486400" algn="l"/>
-                    <a:tab pos="6400800" algn="l"/>
-                    <a:tab pos="7315200" algn="l"/>
-                    <a:tab pos="8229600" algn="l"/>
-                    <a:tab pos="9144000" algn="l"/>
-                    <a:tab pos="10058400" algn="l"/>
-                  </a:tabLst>
-                </a:pPr>
-                <a:endParaRPr lang="en-US" sz="1600" dirty="0" smtClean="0">
-                  <a:solidFill>
-                    <a:srgbClr val="000000"/>
-                  </a:solidFill>
-                  <a:latin typeface="Verdana" charset="0"/>
-                  <a:ea typeface="Arial" charset="0"/>
-                  <a:cs typeface="Arial" charset="0"/>
-                </a:endParaRPr>
-              </a:p>
-              <a:p>
-                <a:pPr fontAlgn="auto">
-                  <a:spcBef>
-                    <a:spcPts val="0"/>
-                  </a:spcBef>
-                  <a:spcAft>
-                    <a:spcPts val="0"/>
-                  </a:spcAft>
-                  <a:buFont typeface="Verdana" charset="0"/>
-                  <a:buNone/>
-                  <a:tabLst>
-                    <a:tab pos="0" algn="l"/>
-                    <a:tab pos="914400" algn="l"/>
-                    <a:tab pos="1828800" algn="l"/>
-                    <a:tab pos="2743200" algn="l"/>
-                    <a:tab pos="3657600" algn="l"/>
-                    <a:tab pos="4572000" algn="l"/>
-                    <a:tab pos="5486400" algn="l"/>
-                    <a:tab pos="6400800" algn="l"/>
-                    <a:tab pos="7315200" algn="l"/>
-                    <a:tab pos="8229600" algn="l"/>
-                    <a:tab pos="9144000" algn="l"/>
-                    <a:tab pos="10058400" algn="l"/>
-                  </a:tabLst>
-                </a:pPr>
-                <a:endParaRPr lang="en-US" sz="1600" dirty="0" smtClean="0">
-                  <a:solidFill>
-                    <a:srgbClr val="000000"/>
-                  </a:solidFill>
-                  <a:latin typeface="Verdana" charset="0"/>
-                  <a:ea typeface="Arial" charset="0"/>
-                  <a:cs typeface="Arial" charset="0"/>
-                </a:endParaRPr>
-              </a:p>
-              <a:p>
-                <a:pPr fontAlgn="auto">
-                  <a:spcBef>
-                    <a:spcPts val="0"/>
-                  </a:spcBef>
-                  <a:spcAft>
-                    <a:spcPts val="0"/>
-                  </a:spcAft>
-                  <a:buFont typeface="Verdana" charset="0"/>
-                  <a:buNone/>
-                  <a:tabLst>
-                    <a:tab pos="0" algn="l"/>
-                    <a:tab pos="914400" algn="l"/>
-                    <a:tab pos="1828800" algn="l"/>
-                    <a:tab pos="2743200" algn="l"/>
-                    <a:tab pos="3657600" algn="l"/>
-                    <a:tab pos="4572000" algn="l"/>
-                    <a:tab pos="5486400" algn="l"/>
-                    <a:tab pos="6400800" algn="l"/>
-                    <a:tab pos="7315200" algn="l"/>
-                    <a:tab pos="8229600" algn="l"/>
-                    <a:tab pos="9144000" algn="l"/>
-                    <a:tab pos="10058400" algn="l"/>
-                  </a:tabLst>
-                </a:pPr>
-                <a:endParaRPr lang="en-US" sz="1600" dirty="0" smtClean="0">
-                  <a:solidFill>
-                    <a:srgbClr val="000000"/>
-                  </a:solidFill>
-                  <a:latin typeface="Verdana" charset="0"/>
-                  <a:ea typeface="Arial" charset="0"/>
-                  <a:cs typeface="Arial" charset="0"/>
-                </a:endParaRPr>
-              </a:p>
-              <a:p>
-                <a:pPr fontAlgn="auto">
-                  <a:spcBef>
-                    <a:spcPts val="0"/>
-                  </a:spcBef>
-                  <a:spcAft>
-                    <a:spcPts val="0"/>
-                  </a:spcAft>
-                  <a:buFont typeface="Verdana" charset="0"/>
-                  <a:buNone/>
-                  <a:tabLst>
-                    <a:tab pos="0" algn="l"/>
-                    <a:tab pos="914400" algn="l"/>
-                    <a:tab pos="1828800" algn="l"/>
-                    <a:tab pos="2743200" algn="l"/>
-                    <a:tab pos="3657600" algn="l"/>
-                    <a:tab pos="4572000" algn="l"/>
-                    <a:tab pos="5486400" algn="l"/>
-                    <a:tab pos="6400800" algn="l"/>
-                    <a:tab pos="7315200" algn="l"/>
-                    <a:tab pos="8229600" algn="l"/>
-                    <a:tab pos="9144000" algn="l"/>
-                    <a:tab pos="10058400" algn="l"/>
-                  </a:tabLst>
-                </a:pPr>
-                <a:endParaRPr lang="en-US" sz="1600" dirty="0" smtClean="0">
-                  <a:solidFill>
-                    <a:srgbClr val="000000"/>
-                  </a:solidFill>
-                  <a:latin typeface="Verdana" charset="0"/>
-                  <a:ea typeface="Arial" charset="0"/>
-                  <a:cs typeface="Arial" charset="0"/>
-                </a:endParaRPr>
-              </a:p>
-              <a:p>
-                <a:pPr fontAlgn="auto">
-                  <a:spcBef>
-                    <a:spcPts val="0"/>
-                  </a:spcBef>
-                  <a:spcAft>
-                    <a:spcPts val="0"/>
-                  </a:spcAft>
-                  <a:buFont typeface="Verdana" charset="0"/>
-                  <a:buNone/>
-                  <a:tabLst>
-                    <a:tab pos="0" algn="l"/>
-                    <a:tab pos="914400" algn="l"/>
-                    <a:tab pos="1828800" algn="l"/>
-                    <a:tab pos="2743200" algn="l"/>
-                    <a:tab pos="3657600" algn="l"/>
-                    <a:tab pos="4572000" algn="l"/>
-                    <a:tab pos="5486400" algn="l"/>
-                    <a:tab pos="6400800" algn="l"/>
-                    <a:tab pos="7315200" algn="l"/>
-                    <a:tab pos="8229600" algn="l"/>
-                    <a:tab pos="9144000" algn="l"/>
-                    <a:tab pos="10058400" algn="l"/>
-                  </a:tabLst>
-                </a:pPr>
-                <a:endParaRPr lang="en-US" sz="1600" dirty="0" smtClean="0">
-                  <a:solidFill>
-                    <a:srgbClr val="000000"/>
-                  </a:solidFill>
-                  <a:latin typeface="Verdana" charset="0"/>
-                  <a:ea typeface="Arial" charset="0"/>
-                  <a:cs typeface="Arial" charset="0"/>
-                </a:endParaRPr>
-              </a:p>
-              <a:p>
-                <a:pPr fontAlgn="auto">
-                  <a:spcBef>
-                    <a:spcPts val="0"/>
-                  </a:spcBef>
-                  <a:spcAft>
-                    <a:spcPts val="0"/>
-                  </a:spcAft>
-                  <a:buFont typeface="Verdana" charset="0"/>
-                  <a:buNone/>
-                  <a:tabLst>
-                    <a:tab pos="0" algn="l"/>
-                    <a:tab pos="914400" algn="l"/>
-                    <a:tab pos="1828800" algn="l"/>
-                    <a:tab pos="2743200" algn="l"/>
-                    <a:tab pos="3657600" algn="l"/>
-                    <a:tab pos="4572000" algn="l"/>
-                    <a:tab pos="5486400" algn="l"/>
-                    <a:tab pos="6400800" algn="l"/>
-                    <a:tab pos="7315200" algn="l"/>
-                    <a:tab pos="8229600" algn="l"/>
-                    <a:tab pos="9144000" algn="l"/>
-                    <a:tab pos="10058400" algn="l"/>
-                  </a:tabLst>
-                </a:pPr>
-                <a:endParaRPr lang="en-US" sz="1600" dirty="0" smtClean="0">
-                  <a:solidFill>
-                    <a:srgbClr val="000000"/>
-                  </a:solidFill>
-                  <a:latin typeface="Verdana" charset="0"/>
-                  <a:ea typeface="Arial" charset="0"/>
-                  <a:cs typeface="Arial" charset="0"/>
-                </a:endParaRPr>
-              </a:p>
-              <a:p>
-                <a:pPr fontAlgn="auto">
-                  <a:spcBef>
-                    <a:spcPts val="0"/>
-                  </a:spcBef>
-                  <a:spcAft>
-                    <a:spcPts val="0"/>
-                  </a:spcAft>
-                  <a:buFont typeface="Verdana" charset="0"/>
-                  <a:buNone/>
-                  <a:tabLst>
-                    <a:tab pos="0" algn="l"/>
-                    <a:tab pos="914400" algn="l"/>
-                    <a:tab pos="1828800" algn="l"/>
-                    <a:tab pos="2743200" algn="l"/>
-                    <a:tab pos="3657600" algn="l"/>
-                    <a:tab pos="4572000" algn="l"/>
-                    <a:tab pos="5486400" algn="l"/>
-                    <a:tab pos="6400800" algn="l"/>
-                    <a:tab pos="7315200" algn="l"/>
-                    <a:tab pos="8229600" algn="l"/>
-                    <a:tab pos="9144000" algn="l"/>
-                    <a:tab pos="10058400" algn="l"/>
-                  </a:tabLst>
-                </a:pPr>
-                <a:endParaRPr lang="en-US" sz="1600" dirty="0" smtClean="0">
-                  <a:solidFill>
-                    <a:srgbClr val="000000"/>
-                  </a:solidFill>
-                  <a:latin typeface="Verdana" charset="0"/>
-                  <a:ea typeface="Arial" charset="0"/>
-                  <a:cs typeface="Arial" charset="0"/>
-                </a:endParaRPr>
-              </a:p>
-            </p:txBody>
-          </p:sp>
-          <p:sp>
-            <p:nvSpPr>
-              <p:cNvPr id="61445" name="AutoShape 3"/>
-              <p:cNvSpPr>
-                <a:spLocks noChangeArrowheads="1"/>
-              </p:cNvSpPr>
-              <p:nvPr/>
-            </p:nvSpPr>
-            <p:spPr bwMode="auto">
-              <a:xfrm>
-                <a:off x="2628900" y="2981218"/>
-                <a:ext cx="2209799" cy="1057382"/>
-              </a:xfrm>
-              <a:prstGeom prst="roundRect">
-                <a:avLst>
-                  <a:gd name="adj" fmla="val 16667"/>
-                </a:avLst>
-              </a:prstGeom>
+                <a:latin typeface="Verdana" charset="0"/>
+                <a:ea typeface="Arial" charset="0"/>
+                <a:cs typeface="Arial" charset="0"/>
+              </a:endParaRPr>
+            </a:p>
+            <a:p>
+              <a:pPr fontAlgn="auto">
+                <a:spcBef>
+                  <a:spcPts val="0"/>
+                </a:spcBef>
+                <a:spcAft>
+                  <a:spcPts val="0"/>
+                </a:spcAft>
+                <a:buFont typeface="Verdana" charset="0"/>
+                <a:buNone/>
+                <a:tabLst>
+                  <a:tab pos="0" algn="l"/>
+                  <a:tab pos="914400" algn="l"/>
+                  <a:tab pos="1828800" algn="l"/>
+                  <a:tab pos="2743200" algn="l"/>
+                  <a:tab pos="3657600" algn="l"/>
+                  <a:tab pos="4572000" algn="l"/>
+                  <a:tab pos="5486400" algn="l"/>
+                  <a:tab pos="6400800" algn="l"/>
+                  <a:tab pos="7315200" algn="l"/>
+                  <a:tab pos="8229600" algn="l"/>
+                  <a:tab pos="9144000" algn="l"/>
+                  <a:tab pos="10058400" algn="l"/>
+                </a:tabLst>
+              </a:pPr>
+              <a:endParaRPr lang="en-US" sz="1600" dirty="0" smtClean="0">
+                <a:solidFill>
+                  <a:srgbClr val="000000"/>
+                </a:solidFill>
+                <a:latin typeface="Verdana" charset="0"/>
+                <a:ea typeface="Arial" charset="0"/>
+                <a:cs typeface="Arial" charset="0"/>
+              </a:endParaRPr>
+            </a:p>
+            <a:p>
+              <a:pPr fontAlgn="auto">
+                <a:spcBef>
+                  <a:spcPts val="0"/>
+                </a:spcBef>
+                <a:spcAft>
+                  <a:spcPts val="0"/>
+                </a:spcAft>
+                <a:buFont typeface="Verdana" charset="0"/>
+                <a:buNone/>
+                <a:tabLst>
+                  <a:tab pos="0" algn="l"/>
+                  <a:tab pos="914400" algn="l"/>
+                  <a:tab pos="1828800" algn="l"/>
+                  <a:tab pos="2743200" algn="l"/>
+                  <a:tab pos="3657600" algn="l"/>
+                  <a:tab pos="4572000" algn="l"/>
+                  <a:tab pos="5486400" algn="l"/>
+                  <a:tab pos="6400800" algn="l"/>
+                  <a:tab pos="7315200" algn="l"/>
+                  <a:tab pos="8229600" algn="l"/>
+                  <a:tab pos="9144000" algn="l"/>
+                  <a:tab pos="10058400" algn="l"/>
+                </a:tabLst>
+              </a:pPr>
+              <a:endParaRPr lang="en-US" sz="1600" dirty="0" smtClean="0">
+                <a:solidFill>
+                  <a:srgbClr val="000000"/>
+                </a:solidFill>
+                <a:latin typeface="Verdana" charset="0"/>
+                <a:ea typeface="Arial" charset="0"/>
+                <a:cs typeface="Arial" charset="0"/>
+              </a:endParaRPr>
+            </a:p>
+            <a:p>
+              <a:pPr fontAlgn="auto">
+                <a:spcBef>
+                  <a:spcPts val="0"/>
+                </a:spcBef>
+                <a:spcAft>
+                  <a:spcPts val="0"/>
+                </a:spcAft>
+                <a:buFont typeface="Verdana" charset="0"/>
+                <a:buNone/>
+                <a:tabLst>
+                  <a:tab pos="0" algn="l"/>
+                  <a:tab pos="914400" algn="l"/>
+                  <a:tab pos="1828800" algn="l"/>
+                  <a:tab pos="2743200" algn="l"/>
+                  <a:tab pos="3657600" algn="l"/>
+                  <a:tab pos="4572000" algn="l"/>
+                  <a:tab pos="5486400" algn="l"/>
+                  <a:tab pos="6400800" algn="l"/>
+                  <a:tab pos="7315200" algn="l"/>
+                  <a:tab pos="8229600" algn="l"/>
+                  <a:tab pos="9144000" algn="l"/>
+                  <a:tab pos="10058400" algn="l"/>
+                </a:tabLst>
+              </a:pPr>
+              <a:endParaRPr lang="en-US" sz="1600" dirty="0" smtClean="0">
+                <a:solidFill>
+                  <a:srgbClr val="000000"/>
+                </a:solidFill>
+                <a:latin typeface="Verdana" charset="0"/>
+                <a:ea typeface="Arial" charset="0"/>
+                <a:cs typeface="Arial" charset="0"/>
+              </a:endParaRPr>
+            </a:p>
+            <a:p>
+              <a:pPr fontAlgn="auto">
+                <a:spcBef>
+                  <a:spcPts val="0"/>
+                </a:spcBef>
+                <a:spcAft>
+                  <a:spcPts val="0"/>
+                </a:spcAft>
+                <a:buFont typeface="Verdana" charset="0"/>
+                <a:buNone/>
+                <a:tabLst>
+                  <a:tab pos="0" algn="l"/>
+                  <a:tab pos="914400" algn="l"/>
+                  <a:tab pos="1828800" algn="l"/>
+                  <a:tab pos="2743200" algn="l"/>
+                  <a:tab pos="3657600" algn="l"/>
+                  <a:tab pos="4572000" algn="l"/>
+                  <a:tab pos="5486400" algn="l"/>
+                  <a:tab pos="6400800" algn="l"/>
+                  <a:tab pos="7315200" algn="l"/>
+                  <a:tab pos="8229600" algn="l"/>
+                  <a:tab pos="9144000" algn="l"/>
+                  <a:tab pos="10058400" algn="l"/>
+                </a:tabLst>
+              </a:pPr>
+              <a:endParaRPr lang="en-US" sz="1600" dirty="0" smtClean="0">
+                <a:solidFill>
+                  <a:srgbClr val="000000"/>
+                </a:solidFill>
+                <a:latin typeface="Verdana" charset="0"/>
+                <a:ea typeface="Arial" charset="0"/>
+                <a:cs typeface="Arial" charset="0"/>
+              </a:endParaRPr>
+            </a:p>
+            <a:p>
+              <a:pPr fontAlgn="auto">
+                <a:spcBef>
+                  <a:spcPts val="0"/>
+                </a:spcBef>
+                <a:spcAft>
+                  <a:spcPts val="0"/>
+                </a:spcAft>
+                <a:buFont typeface="Verdana" charset="0"/>
+                <a:buNone/>
+                <a:tabLst>
+                  <a:tab pos="0" algn="l"/>
+                  <a:tab pos="914400" algn="l"/>
+                  <a:tab pos="1828800" algn="l"/>
+                  <a:tab pos="2743200" algn="l"/>
+                  <a:tab pos="3657600" algn="l"/>
+                  <a:tab pos="4572000" algn="l"/>
+                  <a:tab pos="5486400" algn="l"/>
+                  <a:tab pos="6400800" algn="l"/>
+                  <a:tab pos="7315200" algn="l"/>
+                  <a:tab pos="8229600" algn="l"/>
+                  <a:tab pos="9144000" algn="l"/>
+                  <a:tab pos="10058400" algn="l"/>
+                </a:tabLst>
+              </a:pPr>
+              <a:endParaRPr lang="en-US" sz="1600" dirty="0" smtClean="0">
+                <a:solidFill>
+                  <a:srgbClr val="000000"/>
+                </a:solidFill>
+                <a:latin typeface="Verdana" charset="0"/>
+                <a:ea typeface="Arial" charset="0"/>
+                <a:cs typeface="Arial" charset="0"/>
+              </a:endParaRPr>
+            </a:p>
+            <a:p>
+              <a:pPr fontAlgn="auto">
+                <a:spcBef>
+                  <a:spcPts val="0"/>
+                </a:spcBef>
+                <a:spcAft>
+                  <a:spcPts val="0"/>
+                </a:spcAft>
+                <a:buFont typeface="Verdana" charset="0"/>
+                <a:buNone/>
+                <a:tabLst>
+                  <a:tab pos="0" algn="l"/>
+                  <a:tab pos="914400" algn="l"/>
+                  <a:tab pos="1828800" algn="l"/>
+                  <a:tab pos="2743200" algn="l"/>
+                  <a:tab pos="3657600" algn="l"/>
+                  <a:tab pos="4572000" algn="l"/>
+                  <a:tab pos="5486400" algn="l"/>
+                  <a:tab pos="6400800" algn="l"/>
+                  <a:tab pos="7315200" algn="l"/>
+                  <a:tab pos="8229600" algn="l"/>
+                  <a:tab pos="9144000" algn="l"/>
+                  <a:tab pos="10058400" algn="l"/>
+                </a:tabLst>
+              </a:pPr>
+              <a:endParaRPr lang="en-US" sz="1600" dirty="0" smtClean="0">
+                <a:solidFill>
+                  <a:srgbClr val="000000"/>
+                </a:solidFill>
+                <a:latin typeface="Verdana" charset="0"/>
+                <a:ea typeface="Arial" charset="0"/>
+                <a:cs typeface="Arial" charset="0"/>
+              </a:endParaRPr>
+            </a:p>
+            <a:p>
+              <a:pPr fontAlgn="auto">
+                <a:spcBef>
+                  <a:spcPts val="0"/>
+                </a:spcBef>
+                <a:spcAft>
+                  <a:spcPts val="0"/>
+                </a:spcAft>
+                <a:buFont typeface="Verdana" charset="0"/>
+                <a:buNone/>
+                <a:tabLst>
+                  <a:tab pos="0" algn="l"/>
+                  <a:tab pos="914400" algn="l"/>
+                  <a:tab pos="1828800" algn="l"/>
+                  <a:tab pos="2743200" algn="l"/>
+                  <a:tab pos="3657600" algn="l"/>
+                  <a:tab pos="4572000" algn="l"/>
+                  <a:tab pos="5486400" algn="l"/>
+                  <a:tab pos="6400800" algn="l"/>
+                  <a:tab pos="7315200" algn="l"/>
+                  <a:tab pos="8229600" algn="l"/>
+                  <a:tab pos="9144000" algn="l"/>
+                  <a:tab pos="10058400" algn="l"/>
+                </a:tabLst>
+              </a:pPr>
+              <a:endParaRPr lang="en-US" sz="1600" dirty="0" smtClean="0">
+                <a:solidFill>
+                  <a:srgbClr val="000000"/>
+                </a:solidFill>
+                <a:latin typeface="Verdana" charset="0"/>
+                <a:ea typeface="Arial" charset="0"/>
+                <a:cs typeface="Arial" charset="0"/>
+              </a:endParaRPr>
+            </a:p>
+            <a:p>
+              <a:pPr fontAlgn="auto">
+                <a:spcBef>
+                  <a:spcPts val="0"/>
+                </a:spcBef>
+                <a:spcAft>
+                  <a:spcPts val="0"/>
+                </a:spcAft>
+                <a:buFont typeface="Verdana" charset="0"/>
+                <a:buNone/>
+                <a:tabLst>
+                  <a:tab pos="0" algn="l"/>
+                  <a:tab pos="914400" algn="l"/>
+                  <a:tab pos="1828800" algn="l"/>
+                  <a:tab pos="2743200" algn="l"/>
+                  <a:tab pos="3657600" algn="l"/>
+                  <a:tab pos="4572000" algn="l"/>
+                  <a:tab pos="5486400" algn="l"/>
+                  <a:tab pos="6400800" algn="l"/>
+                  <a:tab pos="7315200" algn="l"/>
+                  <a:tab pos="8229600" algn="l"/>
+                  <a:tab pos="9144000" algn="l"/>
+                  <a:tab pos="10058400" algn="l"/>
+                </a:tabLst>
+              </a:pPr>
+              <a:endParaRPr lang="en-US" sz="1600" dirty="0" smtClean="0">
+                <a:solidFill>
+                  <a:srgbClr val="000000"/>
+                </a:solidFill>
+                <a:latin typeface="Verdana" charset="0"/>
+                <a:ea typeface="Arial" charset="0"/>
+                <a:cs typeface="Arial" charset="0"/>
+              </a:endParaRPr>
+            </a:p>
+            <a:p>
+              <a:pPr fontAlgn="auto">
+                <a:spcBef>
+                  <a:spcPts val="0"/>
+                </a:spcBef>
+                <a:spcAft>
+                  <a:spcPts val="0"/>
+                </a:spcAft>
+                <a:buFont typeface="Verdana" charset="0"/>
+                <a:buNone/>
+                <a:tabLst>
+                  <a:tab pos="0" algn="l"/>
+                  <a:tab pos="914400" algn="l"/>
+                  <a:tab pos="1828800" algn="l"/>
+                  <a:tab pos="2743200" algn="l"/>
+                  <a:tab pos="3657600" algn="l"/>
+                  <a:tab pos="4572000" algn="l"/>
+                  <a:tab pos="5486400" algn="l"/>
+                  <a:tab pos="6400800" algn="l"/>
+                  <a:tab pos="7315200" algn="l"/>
+                  <a:tab pos="8229600" algn="l"/>
+                  <a:tab pos="9144000" algn="l"/>
+                  <a:tab pos="10058400" algn="l"/>
+                </a:tabLst>
+              </a:pPr>
+              <a:endParaRPr lang="en-US" sz="1600" dirty="0" smtClean="0">
+                <a:solidFill>
+                  <a:srgbClr val="000000"/>
+                </a:solidFill>
+                <a:latin typeface="Verdana" charset="0"/>
+                <a:ea typeface="Arial" charset="0"/>
+                <a:cs typeface="Arial" charset="0"/>
+              </a:endParaRPr>
+            </a:p>
+          </p:txBody>
+        </p:sp>
+        <p:sp>
+          <p:nvSpPr>
+            <p:cNvPr id="61445" name="AutoShape 3"/>
+            <p:cNvSpPr>
+              <a:spLocks noChangeArrowheads="1"/>
+            </p:cNvSpPr>
+            <p:nvPr/>
+          </p:nvSpPr>
+          <p:spPr bwMode="auto">
+            <a:xfrm>
+              <a:off x="2628900" y="2676418"/>
+              <a:ext cx="2209799" cy="1057382"/>
+            </a:xfrm>
+            <a:prstGeom prst="roundRect">
+              <a:avLst>
+                <a:gd name="adj" fmla="val 16667"/>
+              </a:avLst>
+            </a:prstGeom>
+            <a:solidFill>
+              <a:srgbClr val="FFFFFF"/>
+            </a:solidFill>
+            <a:ln w="25400">
               <a:solidFill>
-                <a:srgbClr val="FFFFFF"/>
+                <a:srgbClr val="558ED5"/>
               </a:solidFill>
-              <a:ln w="25400">
+              <a:miter lim="800000"/>
+              <a:headEnd/>
+              <a:tailEnd/>
+            </a:ln>
+          </p:spPr>
+          <p:txBody>
+            <a:bodyPr wrap="none" lIns="90000" tIns="46800" rIns="90000" bIns="46800" anchor="b" anchorCtr="1">
+              <a:prstTxWarp prst="textNoShape">
+                <a:avLst/>
+              </a:prstTxWarp>
+            </a:bodyPr>
+            <a:lstStyle/>
+            <a:p>
+              <a:pPr algn="ctr" fontAlgn="auto">
+                <a:spcBef>
+                  <a:spcPts val="0"/>
+                </a:spcBef>
+                <a:spcAft>
+                  <a:spcPts val="0"/>
+                </a:spcAft>
+                <a:buFont typeface="Verdana" charset="0"/>
+                <a:buNone/>
+                <a:tabLst>
+                  <a:tab pos="0" algn="l"/>
+                  <a:tab pos="914400" algn="l"/>
+                  <a:tab pos="1828800" algn="l"/>
+                  <a:tab pos="2743200" algn="l"/>
+                  <a:tab pos="3657600" algn="l"/>
+                  <a:tab pos="4572000" algn="l"/>
+                  <a:tab pos="5486400" algn="l"/>
+                  <a:tab pos="6400800" algn="l"/>
+                  <a:tab pos="7315200" algn="l"/>
+                  <a:tab pos="8229600" algn="l"/>
+                  <a:tab pos="9144000" algn="l"/>
+                  <a:tab pos="10058400" algn="l"/>
+                </a:tabLst>
+              </a:pPr>
+              <a:endParaRPr lang="en-GB" sz="1000" dirty="0">
                 <a:solidFill>
-                  <a:srgbClr val="558ED5"/>
+                  <a:srgbClr val="000000"/>
                 </a:solidFill>
-                <a:miter lim="800000"/>
-                <a:headEnd/>
-                <a:tailEnd/>
-              </a:ln>
-            </p:spPr>
-            <p:txBody>
-              <a:bodyPr wrap="none" lIns="90000" tIns="46800" rIns="90000" bIns="46800" anchor="b" anchorCtr="1">
-                <a:prstTxWarp prst="textNoShape">
-                  <a:avLst/>
-                </a:prstTxWarp>
-              </a:bodyPr>
-              <a:lstStyle/>
-              <a:p>
-                <a:pPr algn="ctr" fontAlgn="auto">
-                  <a:spcBef>
-                    <a:spcPts val="0"/>
-                  </a:spcBef>
-                  <a:spcAft>
-                    <a:spcPts val="0"/>
-                  </a:spcAft>
-                  <a:buFont typeface="Verdana" charset="0"/>
-                  <a:buNone/>
-                  <a:tabLst>
-                    <a:tab pos="0" algn="l"/>
-                    <a:tab pos="914400" algn="l"/>
-                    <a:tab pos="1828800" algn="l"/>
-                    <a:tab pos="2743200" algn="l"/>
-                    <a:tab pos="3657600" algn="l"/>
-                    <a:tab pos="4572000" algn="l"/>
-                    <a:tab pos="5486400" algn="l"/>
-                    <a:tab pos="6400800" algn="l"/>
-                    <a:tab pos="7315200" algn="l"/>
-                    <a:tab pos="8229600" algn="l"/>
-                    <a:tab pos="9144000" algn="l"/>
-                    <a:tab pos="10058400" algn="l"/>
-                  </a:tabLst>
-                </a:pPr>
-                <a:endParaRPr lang="en-GB" sz="1000" dirty="0">
-                  <a:solidFill>
-                    <a:srgbClr val="000000"/>
-                  </a:solidFill>
-                  <a:latin typeface="Verdana" charset="0"/>
-                  <a:ea typeface="Arial" charset="0"/>
-                  <a:cs typeface="Arial" charset="0"/>
-                </a:endParaRPr>
-              </a:p>
-            </p:txBody>
-          </p:sp>
-          <p:sp>
-            <p:nvSpPr>
-              <p:cNvPr id="61476" name="AutoShape 19"/>
-              <p:cNvSpPr>
-                <a:spLocks noChangeArrowheads="1"/>
-              </p:cNvSpPr>
-              <p:nvPr/>
-            </p:nvSpPr>
-            <p:spPr bwMode="auto">
-              <a:xfrm>
-                <a:off x="1009045" y="2971800"/>
-                <a:ext cx="1124556" cy="1086491"/>
-              </a:xfrm>
-              <a:prstGeom prst="flowChartDocument">
+                <a:latin typeface="Verdana" charset="0"/>
+                <a:ea typeface="Arial" charset="0"/>
+                <a:cs typeface="Arial" charset="0"/>
+              </a:endParaRPr>
+            </a:p>
+          </p:txBody>
+        </p:sp>
+        <p:sp>
+          <p:nvSpPr>
+            <p:cNvPr id="61476" name="AutoShape 19"/>
+            <p:cNvSpPr>
+              <a:spLocks noChangeArrowheads="1"/>
+            </p:cNvSpPr>
+            <p:nvPr/>
+          </p:nvSpPr>
+          <p:spPr bwMode="auto">
+            <a:xfrm>
+              <a:off x="1009045" y="2494909"/>
+              <a:ext cx="1124556" cy="1086491"/>
+            </a:xfrm>
+            <a:prstGeom prst="flowChartDocument">
+              <a:avLst/>
+            </a:prstGeom>
+            <a:solidFill>
+              <a:srgbClr val="FFFFFF"/>
+            </a:solidFill>
+            <a:ln w="25400">
+              <a:solidFill>
+                <a:srgbClr val="558ED5"/>
+              </a:solidFill>
+              <a:miter lim="800000"/>
+              <a:headEnd/>
+              <a:tailEnd/>
+            </a:ln>
+          </p:spPr>
+          <p:txBody>
+            <a:bodyPr wrap="none" lIns="90000" tIns="46800" rIns="90000" bIns="46800" anchor="ctr" anchorCtr="1">
+              <a:prstTxWarp prst="textNoShape">
                 <a:avLst/>
-              </a:prstGeom>
+              </a:prstTxWarp>
+            </a:bodyPr>
+            <a:lstStyle/>
+            <a:p>
+              <a:pPr algn="ctr" fontAlgn="auto">
+                <a:spcBef>
+                  <a:spcPts val="0"/>
+                </a:spcBef>
+                <a:spcAft>
+                  <a:spcPts val="0"/>
+                </a:spcAft>
+                <a:buFont typeface="Verdana" charset="0"/>
+                <a:buNone/>
+                <a:tabLst>
+                  <a:tab pos="0" algn="l"/>
+                  <a:tab pos="914400" algn="l"/>
+                  <a:tab pos="1828800" algn="l"/>
+                  <a:tab pos="2743200" algn="l"/>
+                  <a:tab pos="3657600" algn="l"/>
+                  <a:tab pos="4572000" algn="l"/>
+                  <a:tab pos="5486400" algn="l"/>
+                  <a:tab pos="6400800" algn="l"/>
+                  <a:tab pos="7315200" algn="l"/>
+                  <a:tab pos="8229600" algn="l"/>
+                  <a:tab pos="9144000" algn="l"/>
+                  <a:tab pos="10058400" algn="l"/>
+                </a:tabLst>
+              </a:pPr>
+              <a:endParaRPr lang="en-GB" sz="1600" dirty="0">
+                <a:solidFill>
+                  <a:srgbClr val="000000"/>
+                </a:solidFill>
+                <a:latin typeface="Verdana" charset="0"/>
+                <a:ea typeface="Arial" charset="0"/>
+                <a:cs typeface="Arial" charset="0"/>
+              </a:endParaRPr>
+            </a:p>
+          </p:txBody>
+        </p:sp>
+        <p:sp>
+          <p:nvSpPr>
+            <p:cNvPr id="61457" name="Line 40"/>
+            <p:cNvSpPr>
+              <a:spLocks noChangeShapeType="1"/>
+            </p:cNvSpPr>
+            <p:nvPr/>
+          </p:nvSpPr>
+          <p:spPr bwMode="auto">
+            <a:xfrm flipV="1">
+              <a:off x="2133600" y="3124200"/>
+              <a:ext cx="483408" cy="0"/>
+            </a:xfrm>
+            <a:prstGeom prst="line">
+              <a:avLst/>
+            </a:prstGeom>
+            <a:noFill/>
+            <a:ln w="50800" cap="flat" cmpd="sng" algn="ctr">
               <a:solidFill>
-                <a:srgbClr val="FFFFFF"/>
+                <a:schemeClr val="tx2">
+                  <a:lumMod val="40000"/>
+                  <a:lumOff val="60000"/>
+                </a:schemeClr>
               </a:solidFill>
-              <a:ln w="25400">
+              <a:prstDash val="solid"/>
+              <a:miter lim="800000"/>
+              <a:headEnd type="none" w="med" len="med"/>
+              <a:tailEnd type="triangle" w="med" len="med"/>
+            </a:ln>
+          </p:spPr>
+          <p:txBody>
+            <a:bodyPr>
+              <a:prstTxWarp prst="textNoShape">
+                <a:avLst/>
+              </a:prstTxWarp>
+            </a:bodyPr>
+            <a:lstStyle/>
+            <a:p>
+              <a:pPr fontAlgn="auto">
+                <a:spcBef>
+                  <a:spcPts val="0"/>
+                </a:spcBef>
+                <a:spcAft>
+                  <a:spcPts val="0"/>
+                </a:spcAft>
+              </a:pPr>
+              <a:endParaRPr lang="en-US" sz="1800">
                 <a:solidFill>
-                  <a:srgbClr val="558ED5"/>
+                  <a:prstClr val="black"/>
                 </a:solidFill>
-                <a:miter lim="800000"/>
-                <a:headEnd/>
-                <a:tailEnd/>
-              </a:ln>
-            </p:spPr>
-            <p:txBody>
-              <a:bodyPr wrap="none" lIns="90000" tIns="46800" rIns="90000" bIns="46800" anchor="ctr" anchorCtr="1">
-                <a:prstTxWarp prst="textNoShape">
-                  <a:avLst/>
-                </a:prstTxWarp>
-              </a:bodyPr>
-              <a:lstStyle/>
-              <a:p>
-                <a:pPr algn="ctr" fontAlgn="auto">
-                  <a:spcBef>
-                    <a:spcPts val="0"/>
-                  </a:spcBef>
-                  <a:spcAft>
-                    <a:spcPts val="0"/>
-                  </a:spcAft>
-                  <a:buFont typeface="Verdana" charset="0"/>
-                  <a:buNone/>
-                  <a:tabLst>
-                    <a:tab pos="0" algn="l"/>
-                    <a:tab pos="914400" algn="l"/>
-                    <a:tab pos="1828800" algn="l"/>
-                    <a:tab pos="2743200" algn="l"/>
-                    <a:tab pos="3657600" algn="l"/>
-                    <a:tab pos="4572000" algn="l"/>
-                    <a:tab pos="5486400" algn="l"/>
-                    <a:tab pos="6400800" algn="l"/>
-                    <a:tab pos="7315200" algn="l"/>
-                    <a:tab pos="8229600" algn="l"/>
-                    <a:tab pos="9144000" algn="l"/>
-                    <a:tab pos="10058400" algn="l"/>
-                  </a:tabLst>
-                </a:pPr>
-                <a:endParaRPr lang="en-GB" sz="1600" dirty="0">
-                  <a:solidFill>
-                    <a:srgbClr val="000000"/>
-                  </a:solidFill>
-                  <a:latin typeface="Verdana" charset="0"/>
-                  <a:ea typeface="Arial" charset="0"/>
-                  <a:cs typeface="Arial" charset="0"/>
-                </a:endParaRPr>
-              </a:p>
-            </p:txBody>
-          </p:sp>
-          <p:sp>
-            <p:nvSpPr>
-              <p:cNvPr id="61457" name="Line 40"/>
-              <p:cNvSpPr>
-                <a:spLocks noChangeShapeType="1"/>
-              </p:cNvSpPr>
-              <p:nvPr/>
-            </p:nvSpPr>
-            <p:spPr bwMode="auto">
-              <a:xfrm flipV="1">
-                <a:off x="2133600" y="3429000"/>
-                <a:ext cx="483408" cy="0"/>
-              </a:xfrm>
-              <a:prstGeom prst="line">
+                <a:latin typeface="Calibri"/>
+                <a:ea typeface="+mn-ea"/>
+                <a:cs typeface="+mn-cs"/>
+              </a:endParaRPr>
+            </a:p>
+          </p:txBody>
+        </p:sp>
+        <p:sp>
+          <p:nvSpPr>
+            <p:cNvPr id="23" name="AutoShape 25"/>
+            <p:cNvSpPr>
+              <a:spLocks noChangeArrowheads="1"/>
+            </p:cNvSpPr>
+            <p:nvPr/>
+          </p:nvSpPr>
+          <p:spPr bwMode="auto">
+            <a:xfrm>
+              <a:off x="2959100" y="4038600"/>
+              <a:ext cx="1554845" cy="653265"/>
+            </a:xfrm>
+            <a:prstGeom prst="can">
+              <a:avLst>
+                <a:gd name="adj" fmla="val 25000"/>
+              </a:avLst>
+            </a:prstGeom>
+            <a:solidFill>
+              <a:srgbClr val="FFFFFF"/>
+            </a:solidFill>
+            <a:ln w="25400">
+              <a:solidFill>
+                <a:schemeClr val="tx2">
+                  <a:lumMod val="60000"/>
+                  <a:lumOff val="40000"/>
+                </a:schemeClr>
+              </a:solidFill>
+              <a:miter lim="800000"/>
+              <a:headEnd/>
+              <a:tailEnd/>
+            </a:ln>
+          </p:spPr>
+          <p:txBody>
+            <a:bodyPr wrap="none" lIns="90000" tIns="46800" rIns="90000" bIns="46800" anchor="ctr" anchorCtr="1">
+              <a:prstTxWarp prst="textNoShape">
                 <a:avLst/>
-              </a:prstGeom>
-              <a:noFill/>
-              <a:ln w="50800" cap="flat" cmpd="sng" algn="ctr">
-                <a:solidFill>
-                  <a:schemeClr val="tx2">
-                    <a:lumMod val="40000"/>
-                    <a:lumOff val="60000"/>
-                  </a:schemeClr>
-                </a:solidFill>
-                <a:prstDash val="solid"/>
-                <a:miter lim="800000"/>
-                <a:headEnd type="none" w="med" len="med"/>
-                <a:tailEnd type="triangle" w="med" len="med"/>
-              </a:ln>
-            </p:spPr>
-            <p:txBody>
-              <a:bodyPr>
-                <a:prstTxWarp prst="textNoShape">
-                  <a:avLst/>
-                </a:prstTxWarp>
-              </a:bodyPr>
-              <a:lstStyle/>
-              <a:p>
-                <a:pPr fontAlgn="auto">
-                  <a:spcBef>
-                    <a:spcPts val="0"/>
-                  </a:spcBef>
-                  <a:spcAft>
-                    <a:spcPts val="0"/>
-                  </a:spcAft>
-                </a:pPr>
-                <a:endParaRPr lang="en-US" sz="1800">
-                  <a:solidFill>
-                    <a:prstClr val="black"/>
-                  </a:solidFill>
-                  <a:latin typeface="Calibri"/>
-                  <a:ea typeface="+mn-ea"/>
-                  <a:cs typeface="+mn-cs"/>
-                </a:endParaRPr>
-              </a:p>
-            </p:txBody>
-          </p:sp>
-          <p:sp>
-            <p:nvSpPr>
-              <p:cNvPr id="23" name="AutoShape 25"/>
-              <p:cNvSpPr>
-                <a:spLocks noChangeArrowheads="1"/>
-              </p:cNvSpPr>
-              <p:nvPr/>
-            </p:nvSpPr>
-            <p:spPr bwMode="auto">
-              <a:xfrm>
-                <a:off x="2959100" y="4343400"/>
-                <a:ext cx="1554845" cy="653265"/>
-              </a:xfrm>
-              <a:prstGeom prst="can">
-                <a:avLst>
-                  <a:gd name="adj" fmla="val 25000"/>
-                </a:avLst>
-              </a:prstGeom>
-              <a:solidFill>
-                <a:srgbClr val="FFFFFF"/>
-              </a:solidFill>
-              <a:ln w="25400">
-                <a:solidFill>
-                  <a:schemeClr val="tx2">
-                    <a:lumMod val="60000"/>
-                    <a:lumOff val="40000"/>
-                  </a:schemeClr>
-                </a:solidFill>
-                <a:miter lim="800000"/>
-                <a:headEnd/>
-                <a:tailEnd/>
-              </a:ln>
-            </p:spPr>
-            <p:txBody>
-              <a:bodyPr wrap="none" lIns="90000" tIns="46800" rIns="90000" bIns="46800" anchor="ctr" anchorCtr="1">
-                <a:prstTxWarp prst="textNoShape">
-                  <a:avLst/>
-                </a:prstTxWarp>
-              </a:bodyPr>
-              <a:lstStyle/>
-              <a:p>
-                <a:pPr algn="ctr" fontAlgn="auto">
-                  <a:spcBef>
-                    <a:spcPts val="0"/>
-                  </a:spcBef>
-                  <a:spcAft>
-                    <a:spcPts val="0"/>
-                  </a:spcAft>
-                  <a:buFont typeface="Verdana" charset="0"/>
-                  <a:buNone/>
-                  <a:tabLst>
-                    <a:tab pos="0" algn="l"/>
-                    <a:tab pos="914400" algn="l"/>
-                    <a:tab pos="1828800" algn="l"/>
-                    <a:tab pos="2743200" algn="l"/>
-                    <a:tab pos="3657600" algn="l"/>
-                    <a:tab pos="4572000" algn="l"/>
-                    <a:tab pos="5486400" algn="l"/>
-                    <a:tab pos="6400800" algn="l"/>
-                    <a:tab pos="7315200" algn="l"/>
-                    <a:tab pos="8229600" algn="l"/>
-                    <a:tab pos="9144000" algn="l"/>
-                    <a:tab pos="10058400" algn="l"/>
-                  </a:tabLst>
-                </a:pPr>
-                <a:r>
-                  <a:rPr lang="en-GB" sz="1500" dirty="0" smtClean="0">
-                    <a:solidFill>
-                      <a:srgbClr val="1F497D"/>
-                    </a:solidFill>
-                    <a:latin typeface="Verdana" charset="0"/>
-                    <a:ea typeface="Arial" charset="0"/>
-                    <a:cs typeface="Arial" charset="0"/>
-                  </a:rPr>
-                  <a:t>Local data</a:t>
-                </a:r>
-                <a:endParaRPr lang="en-GB" sz="1500" dirty="0">
+              </a:prstTxWarp>
+            </a:bodyPr>
+            <a:lstStyle/>
+            <a:p>
+              <a:pPr algn="ctr" fontAlgn="auto">
+                <a:spcBef>
+                  <a:spcPts val="0"/>
+                </a:spcBef>
+                <a:spcAft>
+                  <a:spcPts val="0"/>
+                </a:spcAft>
+                <a:buFont typeface="Verdana" charset="0"/>
+                <a:buNone/>
+                <a:tabLst>
+                  <a:tab pos="0" algn="l"/>
+                  <a:tab pos="914400" algn="l"/>
+                  <a:tab pos="1828800" algn="l"/>
+                  <a:tab pos="2743200" algn="l"/>
+                  <a:tab pos="3657600" algn="l"/>
+                  <a:tab pos="4572000" algn="l"/>
+                  <a:tab pos="5486400" algn="l"/>
+                  <a:tab pos="6400800" algn="l"/>
+                  <a:tab pos="7315200" algn="l"/>
+                  <a:tab pos="8229600" algn="l"/>
+                  <a:tab pos="9144000" algn="l"/>
+                  <a:tab pos="10058400" algn="l"/>
+                </a:tabLst>
+              </a:pPr>
+              <a:r>
+                <a:rPr lang="en-GB" sz="1500" dirty="0" smtClean="0">
                   <a:solidFill>
                     <a:srgbClr val="1F497D"/>
                   </a:solidFill>
                   <a:latin typeface="Verdana" charset="0"/>
                   <a:ea typeface="Arial" charset="0"/>
                   <a:cs typeface="Arial" charset="0"/>
-                </a:endParaRPr>
-              </a:p>
-            </p:txBody>
-          </p:sp>
-          <p:sp>
-            <p:nvSpPr>
-              <p:cNvPr id="31" name="Left-Right Arrow 30"/>
-              <p:cNvSpPr/>
-              <p:nvPr/>
-            </p:nvSpPr>
-            <p:spPr>
-              <a:xfrm rot="16200000">
-                <a:off x="3478197" y="4027502"/>
-                <a:ext cx="511205" cy="228600"/>
-              </a:xfrm>
-              <a:prstGeom prst="leftRightArrow">
+                </a:rPr>
+                <a:t>Local data</a:t>
+              </a:r>
+              <a:endParaRPr lang="en-GB" sz="1500" dirty="0">
+                <a:solidFill>
+                  <a:srgbClr val="1F497D"/>
+                </a:solidFill>
+                <a:latin typeface="Verdana" charset="0"/>
+                <a:ea typeface="Arial" charset="0"/>
+                <a:cs typeface="Arial" charset="0"/>
+              </a:endParaRPr>
+            </a:p>
+          </p:txBody>
+        </p:sp>
+        <p:sp>
+          <p:nvSpPr>
+            <p:cNvPr id="31" name="Left-Right Arrow 30"/>
+            <p:cNvSpPr/>
+            <p:nvPr/>
+          </p:nvSpPr>
+          <p:spPr>
+            <a:xfrm rot="16200000">
+              <a:off x="3478197" y="3722702"/>
+              <a:ext cx="511205" cy="228600"/>
+            </a:xfrm>
+            <a:prstGeom prst="leftRightArrow">
+              <a:avLst/>
+            </a:prstGeom>
+            <a:solidFill>
+              <a:schemeClr val="bg1"/>
+            </a:solidFill>
+            <a:ln w="19050" cap="flat" cmpd="sng" algn="ctr">
+              <a:solidFill>
+                <a:schemeClr val="accent1">
+                  <a:shade val="95000"/>
+                  <a:satMod val="105000"/>
+                </a:schemeClr>
+              </a:solidFill>
+              <a:prstDash val="solid"/>
+              <a:round/>
+              <a:headEnd type="none" w="med" len="med"/>
+              <a:tailEnd type="none" w="med" len="med"/>
+            </a:ln>
+          </p:spPr>
+          <p:style>
+            <a:lnRef idx="1">
+              <a:schemeClr val="accent1"/>
+            </a:lnRef>
+            <a:fillRef idx="3">
+              <a:schemeClr val="accent1"/>
+            </a:fillRef>
+            <a:effectRef idx="2">
+              <a:schemeClr val="accent1"/>
+            </a:effectRef>
+            <a:fontRef idx="minor">
+              <a:schemeClr val="lt1"/>
+            </a:fontRef>
+          </p:style>
+          <p:txBody>
+            <a:bodyPr anchor="ctr">
+              <a:prstTxWarp prst="textNoShape">
                 <a:avLst/>
-              </a:prstGeom>
+              </a:prstTxWarp>
+            </a:bodyPr>
+            <a:lstStyle/>
+            <a:p>
+              <a:pPr algn="ctr" fontAlgn="auto">
+                <a:spcBef>
+                  <a:spcPts val="0"/>
+                </a:spcBef>
+                <a:spcAft>
+                  <a:spcPts val="0"/>
+                </a:spcAft>
+                <a:defRPr/>
+              </a:pPr>
+              <a:endParaRPr lang="en-US" sz="1400" dirty="0">
+                <a:solidFill>
+                  <a:prstClr val="black"/>
+                </a:solidFill>
+                <a:latin typeface="Calibri"/>
+              </a:endParaRPr>
+            </a:p>
+          </p:txBody>
+        </p:sp>
+        <p:pic>
+          <p:nvPicPr>
+            <p:cNvPr id="48" name="Picture 47" descr="swift logo - blue.pdf"/>
+            <p:cNvPicPr>
+              <a:picLocks noChangeAspect="1"/>
+            </p:cNvPicPr>
+            <p:nvPr/>
+          </p:nvPicPr>
+          <p:blipFill rotWithShape="1">
+            <a:blip r:embed="rId4" cstate="screen">
+              <a:extLst>
+                <a:ext uri="{28A0092B-C50C-407E-A947-70E740481C1C}">
+                  <a14:useLocalDpi xmlns:a14="http://schemas.microsoft.com/office/drawing/2010/main"/>
+                </a:ext>
+              </a:extLst>
+            </a:blip>
+            <a:srcRect l="10219" t="28548" r="10584" b="27981"/>
+            <a:stretch/>
+          </p:blipFill>
+          <p:spPr>
+            <a:xfrm>
+              <a:off x="2982320" y="2895600"/>
+              <a:ext cx="1665880" cy="685800"/>
+            </a:xfrm>
+            <a:prstGeom prst="rect">
+              <a:avLst/>
+            </a:prstGeom>
+          </p:spPr>
+        </p:pic>
+        <p:sp>
+          <p:nvSpPr>
+            <p:cNvPr id="55" name="Line 40"/>
+            <p:cNvSpPr>
+              <a:spLocks noChangeShapeType="1"/>
+            </p:cNvSpPr>
+            <p:nvPr/>
+          </p:nvSpPr>
+          <p:spPr bwMode="auto">
+            <a:xfrm flipV="1">
+              <a:off x="1929369" y="3636554"/>
+              <a:ext cx="699531" cy="531016"/>
+            </a:xfrm>
+            <a:prstGeom prst="line">
+              <a:avLst/>
+            </a:prstGeom>
+            <a:noFill/>
+            <a:ln w="50800" cap="flat" cmpd="sng" algn="ctr">
               <a:solidFill>
-                <a:schemeClr val="bg1"/>
+                <a:schemeClr val="tx2">
+                  <a:lumMod val="40000"/>
+                  <a:lumOff val="60000"/>
+                </a:schemeClr>
               </a:solidFill>
-              <a:ln w="19050" cap="flat" cmpd="sng" algn="ctr">
+              <a:prstDash val="solid"/>
+              <a:miter lim="800000"/>
+              <a:headEnd type="none" w="med" len="med"/>
+              <a:tailEnd type="triangle" w="med" len="med"/>
+            </a:ln>
+          </p:spPr>
+          <p:txBody>
+            <a:bodyPr>
+              <a:prstTxWarp prst="textNoShape">
+                <a:avLst/>
+              </a:prstTxWarp>
+            </a:bodyPr>
+            <a:lstStyle/>
+            <a:p>
+              <a:pPr fontAlgn="auto">
+                <a:spcBef>
+                  <a:spcPts val="0"/>
+                </a:spcBef>
+                <a:spcAft>
+                  <a:spcPts val="0"/>
+                </a:spcAft>
+              </a:pPr>
+              <a:endParaRPr lang="en-US" sz="1800">
                 <a:solidFill>
-                  <a:schemeClr val="accent1">
-                    <a:shade val="95000"/>
-                    <a:satMod val="105000"/>
-                  </a:schemeClr>
+                  <a:prstClr val="black"/>
                 </a:solidFill>
-                <a:prstDash val="solid"/>
-                <a:round/>
-                <a:headEnd type="none" w="med" len="med"/>
-                <a:tailEnd type="none" w="med" len="med"/>
-              </a:ln>
-            </p:spPr>
-            <p:style>
-              <a:lnRef idx="1">
-                <a:schemeClr val="accent1"/>
-              </a:lnRef>
-              <a:fillRef idx="3">
-                <a:schemeClr val="accent1"/>
-              </a:fillRef>
-              <a:effectRef idx="2">
-                <a:schemeClr val="accent1"/>
-              </a:effectRef>
-              <a:fontRef idx="minor">
-                <a:schemeClr val="lt1"/>
-              </a:fontRef>
-            </p:style>
-            <p:txBody>
-              <a:bodyPr anchor="ctr">
-                <a:prstTxWarp prst="textNoShape">
-                  <a:avLst/>
-                </a:prstTxWarp>
-              </a:bodyPr>
-              <a:lstStyle/>
-              <a:p>
-                <a:pPr algn="ctr" fontAlgn="auto">
-                  <a:spcBef>
-                    <a:spcPts val="0"/>
-                  </a:spcBef>
-                  <a:spcAft>
-                    <a:spcPts val="0"/>
-                  </a:spcAft>
-                  <a:defRPr/>
-                </a:pPr>
-                <a:endParaRPr lang="en-US" sz="1400" dirty="0">
-                  <a:solidFill>
-                    <a:prstClr val="black"/>
-                  </a:solidFill>
-                  <a:latin typeface="Calibri"/>
-                </a:endParaRPr>
-              </a:p>
-            </p:txBody>
-          </p:sp>
-          <p:pic>
-            <p:nvPicPr>
-              <p:cNvPr id="48" name="Picture 47" descr="swift logo - blue.pdf"/>
-              <p:cNvPicPr>
-                <a:picLocks noChangeAspect="1"/>
-              </p:cNvPicPr>
-              <p:nvPr/>
-            </p:nvPicPr>
-            <p:blipFill rotWithShape="1">
-              <a:blip r:embed="rId4" cstate="screen">
-                <a:extLst>
-                  <a:ext uri="{28A0092B-C50C-407E-A947-70E740481C1C}">
-                    <a14:useLocalDpi xmlns:a14="http://schemas.microsoft.com/office/drawing/2010/main"/>
-                  </a:ext>
-                </a:extLst>
-              </a:blip>
-              <a:srcRect l="10219" t="28548" r="10584" b="27981"/>
-              <a:stretch/>
-            </p:blipFill>
-            <p:spPr>
-              <a:xfrm>
-                <a:off x="2982320" y="3200400"/>
-                <a:ext cx="1665880" cy="685800"/>
-              </a:xfrm>
-              <a:prstGeom prst="rect">
-                <a:avLst/>
-              </a:prstGeom>
-            </p:spPr>
-          </p:pic>
-          <p:sp>
-            <p:nvSpPr>
-              <p:cNvPr id="55" name="Line 40"/>
-              <p:cNvSpPr>
-                <a:spLocks noChangeShapeType="1"/>
-              </p:cNvSpPr>
-              <p:nvPr/>
-            </p:nvSpPr>
-            <p:spPr bwMode="auto">
-              <a:xfrm flipV="1">
-                <a:off x="2209800" y="4114800"/>
-                <a:ext cx="457200" cy="304800"/>
-              </a:xfrm>
-              <a:prstGeom prst="line">
-                <a:avLst/>
-              </a:prstGeom>
-              <a:noFill/>
-              <a:ln w="50800" cap="flat" cmpd="sng" algn="ctr">
-                <a:solidFill>
-                  <a:schemeClr val="tx2">
-                    <a:lumMod val="40000"/>
-                    <a:lumOff val="60000"/>
-                  </a:schemeClr>
-                </a:solidFill>
-                <a:prstDash val="solid"/>
-                <a:miter lim="800000"/>
-                <a:headEnd type="none" w="med" len="med"/>
-                <a:tailEnd type="triangle" w="med" len="med"/>
-              </a:ln>
-            </p:spPr>
-            <p:txBody>
-              <a:bodyPr>
-                <a:prstTxWarp prst="textNoShape">
-                  <a:avLst/>
-                </a:prstTxWarp>
-              </a:bodyPr>
-              <a:lstStyle/>
-              <a:p>
-                <a:pPr fontAlgn="auto">
-                  <a:spcBef>
-                    <a:spcPts val="0"/>
-                  </a:spcBef>
-                  <a:spcAft>
-                    <a:spcPts val="0"/>
-                  </a:spcAft>
-                </a:pPr>
-                <a:endParaRPr lang="en-US" sz="1800">
-                  <a:solidFill>
-                    <a:prstClr val="black"/>
-                  </a:solidFill>
-                  <a:latin typeface="Calibri"/>
-                  <a:ea typeface="+mn-ea"/>
-                  <a:cs typeface="+mn-cs"/>
-                </a:endParaRPr>
-              </a:p>
-            </p:txBody>
-          </p:sp>
-          <p:grpSp>
-            <p:nvGrpSpPr>
-              <p:cNvPr id="94" name="Group 93"/>
-              <p:cNvGrpSpPr/>
-              <p:nvPr/>
-            </p:nvGrpSpPr>
-            <p:grpSpPr>
-              <a:xfrm>
-                <a:off x="1066800" y="4254500"/>
-                <a:ext cx="1006326" cy="797880"/>
-                <a:chOff x="7162800" y="5069520"/>
-                <a:chExt cx="1539726" cy="1102680"/>
-              </a:xfrm>
-            </p:grpSpPr>
-            <p:sp>
-              <p:nvSpPr>
-                <p:cNvPr id="95" name="Rounded Rectangle 94"/>
-                <p:cNvSpPr/>
-                <p:nvPr/>
-              </p:nvSpPr>
-              <p:spPr>
-                <a:xfrm>
-                  <a:off x="7483326" y="5069520"/>
-                  <a:ext cx="1219200" cy="533400"/>
-                </a:xfrm>
-                <a:prstGeom prst="roundRect">
-                  <a:avLst/>
-                </a:prstGeom>
-                <a:solidFill>
-                  <a:schemeClr val="accent6">
-                    <a:lumMod val="75000"/>
-                  </a:schemeClr>
-                </a:solidFill>
-              </p:spPr>
-              <p:style>
-                <a:lnRef idx="1">
-                  <a:schemeClr val="accent1"/>
-                </a:lnRef>
-                <a:fillRef idx="3">
-                  <a:schemeClr val="accent1"/>
-                </a:fillRef>
-                <a:effectRef idx="2">
-                  <a:schemeClr val="accent1"/>
-                </a:effectRef>
-                <a:fontRef idx="minor">
-                  <a:schemeClr val="lt1"/>
-                </a:fontRef>
-              </p:style>
-              <p:txBody>
-                <a:bodyPr rtlCol="0" anchor="ctr"/>
-                <a:lstStyle>
-                  <a:lvl1pPr>
-                    <a:defRPr>
-                      <a:solidFill>
-                        <a:schemeClr val="lt1"/>
-                      </a:solidFill>
-                      <a:latin typeface="+mn-lt"/>
-                      <a:ea typeface="+mn-ea"/>
-                      <a:cs typeface="+mn-cs"/>
-                    </a:defRPr>
-                  </a:lvl1pPr>
-                  <a:lvl2pPr>
-                    <a:defRPr>
-                      <a:solidFill>
-                        <a:schemeClr val="lt1"/>
-                      </a:solidFill>
-                      <a:latin typeface="+mn-lt"/>
-                      <a:ea typeface="+mn-ea"/>
-                      <a:cs typeface="+mn-cs"/>
-                    </a:defRPr>
-                  </a:lvl2pPr>
-                  <a:lvl3pPr>
-                    <a:defRPr>
-                      <a:solidFill>
-                        <a:schemeClr val="lt1"/>
-                      </a:solidFill>
-                      <a:latin typeface="+mn-lt"/>
-                      <a:ea typeface="+mn-ea"/>
-                      <a:cs typeface="+mn-cs"/>
-                    </a:defRPr>
-                  </a:lvl3pPr>
-                  <a:lvl4pPr>
-                    <a:defRPr>
-                      <a:solidFill>
-                        <a:schemeClr val="lt1"/>
-                      </a:solidFill>
-                      <a:latin typeface="+mn-lt"/>
-                      <a:ea typeface="+mn-ea"/>
-                      <a:cs typeface="+mn-cs"/>
-                    </a:defRPr>
-                  </a:lvl4pPr>
-                  <a:lvl5pPr>
-                    <a:defRPr>
-                      <a:solidFill>
-                        <a:schemeClr val="lt1"/>
-                      </a:solidFill>
-                      <a:latin typeface="+mn-lt"/>
-                      <a:ea typeface="+mn-ea"/>
-                      <a:cs typeface="+mn-cs"/>
-                    </a:defRPr>
-                  </a:lvl5pPr>
-                  <a:lvl6pPr>
-                    <a:defRPr>
-                      <a:solidFill>
-                        <a:schemeClr val="lt1"/>
-                      </a:solidFill>
-                      <a:latin typeface="+mn-lt"/>
-                      <a:ea typeface="+mn-ea"/>
-                      <a:cs typeface="+mn-cs"/>
-                    </a:defRPr>
-                  </a:lvl6pPr>
-                  <a:lvl7pPr>
-                    <a:defRPr>
-                      <a:solidFill>
-                        <a:schemeClr val="lt1"/>
-                      </a:solidFill>
-                      <a:latin typeface="+mn-lt"/>
-                      <a:ea typeface="+mn-ea"/>
-                      <a:cs typeface="+mn-cs"/>
-                    </a:defRPr>
-                  </a:lvl7pPr>
-                  <a:lvl8pPr>
-                    <a:defRPr>
-                      <a:solidFill>
-                        <a:schemeClr val="lt1"/>
-                      </a:solidFill>
-                      <a:latin typeface="+mn-lt"/>
-                      <a:ea typeface="+mn-ea"/>
-                      <a:cs typeface="+mn-cs"/>
-                    </a:defRPr>
-                  </a:lvl8pPr>
-                  <a:lvl9pPr>
-                    <a:defRPr>
-                      <a:solidFill>
-                        <a:schemeClr val="lt1"/>
-                      </a:solidFill>
-                      <a:latin typeface="+mn-lt"/>
-                      <a:ea typeface="+mn-ea"/>
-                      <a:cs typeface="+mn-cs"/>
-                    </a:defRPr>
-                  </a:lvl9pPr>
-                </a:lstStyle>
-                <a:p>
-                  <a:pPr algn="ctr" fontAlgn="auto">
-                    <a:spcBef>
-                      <a:spcPts val="0"/>
-                    </a:spcBef>
-                    <a:spcAft>
-                      <a:spcPts val="0"/>
-                    </a:spcAft>
-                  </a:pPr>
-                  <a:endParaRPr lang="en-US" sz="1800" dirty="0">
-                    <a:solidFill>
-                      <a:prstClr val="white"/>
-                    </a:solidFill>
-                    <a:latin typeface="Calibri"/>
-                  </a:endParaRPr>
-                </a:p>
-              </p:txBody>
-            </p:sp>
-            <p:sp>
-              <p:nvSpPr>
-                <p:cNvPr id="96" name="Rounded Rectangle 95"/>
-                <p:cNvSpPr/>
-                <p:nvPr/>
-              </p:nvSpPr>
-              <p:spPr>
-                <a:xfrm>
-                  <a:off x="7391400" y="5181600"/>
-                  <a:ext cx="1219200" cy="533400"/>
-                </a:xfrm>
-                <a:prstGeom prst="roundRect">
-                  <a:avLst/>
-                </a:prstGeom>
-                <a:solidFill>
-                  <a:srgbClr val="4BACC6"/>
-                </a:solidFill>
-              </p:spPr>
-              <p:style>
-                <a:lnRef idx="1">
-                  <a:schemeClr val="accent1"/>
-                </a:lnRef>
-                <a:fillRef idx="3">
-                  <a:schemeClr val="accent1"/>
-                </a:fillRef>
-                <a:effectRef idx="2">
-                  <a:schemeClr val="accent1"/>
-                </a:effectRef>
-                <a:fontRef idx="minor">
-                  <a:schemeClr val="lt1"/>
-                </a:fontRef>
-              </p:style>
-              <p:txBody>
-                <a:bodyPr rtlCol="0" anchor="ctr"/>
-                <a:lstStyle>
-                  <a:lvl1pPr>
-                    <a:defRPr>
-                      <a:solidFill>
-                        <a:schemeClr val="lt1"/>
-                      </a:solidFill>
-                      <a:latin typeface="+mn-lt"/>
-                      <a:ea typeface="+mn-ea"/>
-                      <a:cs typeface="+mn-cs"/>
-                    </a:defRPr>
-                  </a:lvl1pPr>
-                  <a:lvl2pPr>
-                    <a:defRPr>
-                      <a:solidFill>
-                        <a:schemeClr val="lt1"/>
-                      </a:solidFill>
-                      <a:latin typeface="+mn-lt"/>
-                      <a:ea typeface="+mn-ea"/>
-                      <a:cs typeface="+mn-cs"/>
-                    </a:defRPr>
-                  </a:lvl2pPr>
-                  <a:lvl3pPr>
-                    <a:defRPr>
-                      <a:solidFill>
-                        <a:schemeClr val="lt1"/>
-                      </a:solidFill>
-                      <a:latin typeface="+mn-lt"/>
-                      <a:ea typeface="+mn-ea"/>
-                      <a:cs typeface="+mn-cs"/>
-                    </a:defRPr>
-                  </a:lvl3pPr>
-                  <a:lvl4pPr>
-                    <a:defRPr>
-                      <a:solidFill>
-                        <a:schemeClr val="lt1"/>
-                      </a:solidFill>
-                      <a:latin typeface="+mn-lt"/>
-                      <a:ea typeface="+mn-ea"/>
-                      <a:cs typeface="+mn-cs"/>
-                    </a:defRPr>
-                  </a:lvl4pPr>
-                  <a:lvl5pPr>
-                    <a:defRPr>
-                      <a:solidFill>
-                        <a:schemeClr val="lt1"/>
-                      </a:solidFill>
-                      <a:latin typeface="+mn-lt"/>
-                      <a:ea typeface="+mn-ea"/>
-                      <a:cs typeface="+mn-cs"/>
-                    </a:defRPr>
-                  </a:lvl5pPr>
-                  <a:lvl6pPr>
-                    <a:defRPr>
-                      <a:solidFill>
-                        <a:schemeClr val="lt1"/>
-                      </a:solidFill>
-                      <a:latin typeface="+mn-lt"/>
-                      <a:ea typeface="+mn-ea"/>
-                      <a:cs typeface="+mn-cs"/>
-                    </a:defRPr>
-                  </a:lvl6pPr>
-                  <a:lvl7pPr>
-                    <a:defRPr>
-                      <a:solidFill>
-                        <a:schemeClr val="lt1"/>
-                      </a:solidFill>
-                      <a:latin typeface="+mn-lt"/>
-                      <a:ea typeface="+mn-ea"/>
-                      <a:cs typeface="+mn-cs"/>
-                    </a:defRPr>
-                  </a:lvl7pPr>
-                  <a:lvl8pPr>
-                    <a:defRPr>
-                      <a:solidFill>
-                        <a:schemeClr val="lt1"/>
-                      </a:solidFill>
-                      <a:latin typeface="+mn-lt"/>
-                      <a:ea typeface="+mn-ea"/>
-                      <a:cs typeface="+mn-cs"/>
-                    </a:defRPr>
-                  </a:lvl8pPr>
-                  <a:lvl9pPr>
-                    <a:defRPr>
-                      <a:solidFill>
-                        <a:schemeClr val="lt1"/>
-                      </a:solidFill>
-                      <a:latin typeface="+mn-lt"/>
-                      <a:ea typeface="+mn-ea"/>
-                      <a:cs typeface="+mn-cs"/>
-                    </a:defRPr>
-                  </a:lvl9pPr>
-                </a:lstStyle>
-                <a:p>
-                  <a:pPr algn="ctr" fontAlgn="auto">
-                    <a:spcBef>
-                      <a:spcPts val="0"/>
-                    </a:spcBef>
-                    <a:spcAft>
-                      <a:spcPts val="0"/>
-                    </a:spcAft>
-                  </a:pPr>
-                  <a:endParaRPr lang="en-US" sz="1800" dirty="0" smtClean="0">
-                    <a:solidFill>
-                      <a:prstClr val="white"/>
-                    </a:solidFill>
-                    <a:latin typeface="Calibri"/>
-                  </a:endParaRPr>
-                </a:p>
-              </p:txBody>
-            </p:sp>
-            <p:sp>
-              <p:nvSpPr>
-                <p:cNvPr id="97" name="Rounded Rectangle 96"/>
-                <p:cNvSpPr/>
-                <p:nvPr/>
-              </p:nvSpPr>
-              <p:spPr>
-                <a:xfrm>
-                  <a:off x="7315200" y="5334000"/>
-                  <a:ext cx="1219200" cy="533400"/>
-                </a:xfrm>
-                <a:prstGeom prst="roundRect">
-                  <a:avLst/>
-                </a:prstGeom>
-                <a:solidFill>
-                  <a:schemeClr val="bg2">
-                    <a:lumMod val="50000"/>
-                  </a:schemeClr>
-                </a:solidFill>
-              </p:spPr>
-              <p:style>
-                <a:lnRef idx="1">
-                  <a:schemeClr val="accent1"/>
-                </a:lnRef>
-                <a:fillRef idx="3">
-                  <a:schemeClr val="accent1"/>
-                </a:fillRef>
-                <a:effectRef idx="2">
-                  <a:schemeClr val="accent1"/>
-                </a:effectRef>
-                <a:fontRef idx="minor">
-                  <a:schemeClr val="lt1"/>
-                </a:fontRef>
-              </p:style>
-              <p:txBody>
-                <a:bodyPr rtlCol="0" anchor="ctr"/>
-                <a:lstStyle>
-                  <a:lvl1pPr>
-                    <a:defRPr>
-                      <a:solidFill>
-                        <a:schemeClr val="lt1"/>
-                      </a:solidFill>
-                      <a:latin typeface="+mn-lt"/>
-                      <a:ea typeface="+mn-ea"/>
-                      <a:cs typeface="+mn-cs"/>
-                    </a:defRPr>
-                  </a:lvl1pPr>
-                  <a:lvl2pPr>
-                    <a:defRPr>
-                      <a:solidFill>
-                        <a:schemeClr val="lt1"/>
-                      </a:solidFill>
-                      <a:latin typeface="+mn-lt"/>
-                      <a:ea typeface="+mn-ea"/>
-                      <a:cs typeface="+mn-cs"/>
-                    </a:defRPr>
-                  </a:lvl2pPr>
-                  <a:lvl3pPr>
-                    <a:defRPr>
-                      <a:solidFill>
-                        <a:schemeClr val="lt1"/>
-                      </a:solidFill>
-                      <a:latin typeface="+mn-lt"/>
-                      <a:ea typeface="+mn-ea"/>
-                      <a:cs typeface="+mn-cs"/>
-                    </a:defRPr>
-                  </a:lvl3pPr>
-                  <a:lvl4pPr>
-                    <a:defRPr>
-                      <a:solidFill>
-                        <a:schemeClr val="lt1"/>
-                      </a:solidFill>
-                      <a:latin typeface="+mn-lt"/>
-                      <a:ea typeface="+mn-ea"/>
-                      <a:cs typeface="+mn-cs"/>
-                    </a:defRPr>
-                  </a:lvl4pPr>
-                  <a:lvl5pPr>
-                    <a:defRPr>
-                      <a:solidFill>
-                        <a:schemeClr val="lt1"/>
-                      </a:solidFill>
-                      <a:latin typeface="+mn-lt"/>
-                      <a:ea typeface="+mn-ea"/>
-                      <a:cs typeface="+mn-cs"/>
-                    </a:defRPr>
-                  </a:lvl5pPr>
-                  <a:lvl6pPr>
-                    <a:defRPr>
-                      <a:solidFill>
-                        <a:schemeClr val="lt1"/>
-                      </a:solidFill>
-                      <a:latin typeface="+mn-lt"/>
-                      <a:ea typeface="+mn-ea"/>
-                      <a:cs typeface="+mn-cs"/>
-                    </a:defRPr>
-                  </a:lvl6pPr>
-                  <a:lvl7pPr>
-                    <a:defRPr>
-                      <a:solidFill>
-                        <a:schemeClr val="lt1"/>
-                      </a:solidFill>
-                      <a:latin typeface="+mn-lt"/>
-                      <a:ea typeface="+mn-ea"/>
-                      <a:cs typeface="+mn-cs"/>
-                    </a:defRPr>
-                  </a:lvl7pPr>
-                  <a:lvl8pPr>
-                    <a:defRPr>
-                      <a:solidFill>
-                        <a:schemeClr val="lt1"/>
-                      </a:solidFill>
-                      <a:latin typeface="+mn-lt"/>
-                      <a:ea typeface="+mn-ea"/>
-                      <a:cs typeface="+mn-cs"/>
-                    </a:defRPr>
-                  </a:lvl8pPr>
-                  <a:lvl9pPr>
-                    <a:defRPr>
-                      <a:solidFill>
-                        <a:schemeClr val="lt1"/>
-                      </a:solidFill>
-                      <a:latin typeface="+mn-lt"/>
-                      <a:ea typeface="+mn-ea"/>
-                      <a:cs typeface="+mn-cs"/>
-                    </a:defRPr>
-                  </a:lvl9pPr>
-                </a:lstStyle>
-                <a:p>
-                  <a:pPr algn="ctr" fontAlgn="auto">
-                    <a:spcBef>
-                      <a:spcPts val="0"/>
-                    </a:spcBef>
-                    <a:spcAft>
-                      <a:spcPts val="0"/>
-                    </a:spcAft>
-                  </a:pPr>
-                  <a:endParaRPr lang="en-US" sz="1800" dirty="0">
-                    <a:solidFill>
-                      <a:prstClr val="white"/>
-                    </a:solidFill>
-                    <a:latin typeface="Calibri"/>
-                  </a:endParaRPr>
-                </a:p>
-              </p:txBody>
-            </p:sp>
-            <p:sp>
-              <p:nvSpPr>
-                <p:cNvPr id="98" name="Rounded Rectangle 97"/>
-                <p:cNvSpPr/>
-                <p:nvPr/>
-              </p:nvSpPr>
-              <p:spPr>
-                <a:xfrm>
-                  <a:off x="7239000" y="5486400"/>
-                  <a:ext cx="1219200" cy="533400"/>
-                </a:xfrm>
-                <a:prstGeom prst="roundRect">
-                  <a:avLst/>
-                </a:prstGeom>
-                <a:solidFill>
-                  <a:schemeClr val="accent2">
-                    <a:lumMod val="75000"/>
-                  </a:schemeClr>
-                </a:solidFill>
-              </p:spPr>
-              <p:style>
-                <a:lnRef idx="1">
-                  <a:schemeClr val="accent1"/>
-                </a:lnRef>
-                <a:fillRef idx="3">
-                  <a:schemeClr val="accent1"/>
-                </a:fillRef>
-                <a:effectRef idx="2">
-                  <a:schemeClr val="accent1"/>
-                </a:effectRef>
-                <a:fontRef idx="minor">
-                  <a:schemeClr val="lt1"/>
-                </a:fontRef>
-              </p:style>
-              <p:txBody>
-                <a:bodyPr rtlCol="0" anchor="ctr"/>
-                <a:lstStyle>
-                  <a:lvl1pPr>
-                    <a:defRPr>
-                      <a:solidFill>
-                        <a:schemeClr val="lt1"/>
-                      </a:solidFill>
-                      <a:latin typeface="+mn-lt"/>
-                      <a:ea typeface="+mn-ea"/>
-                      <a:cs typeface="+mn-cs"/>
-                    </a:defRPr>
-                  </a:lvl1pPr>
-                  <a:lvl2pPr>
-                    <a:defRPr>
-                      <a:solidFill>
-                        <a:schemeClr val="lt1"/>
-                      </a:solidFill>
-                      <a:latin typeface="+mn-lt"/>
-                      <a:ea typeface="+mn-ea"/>
-                      <a:cs typeface="+mn-cs"/>
-                    </a:defRPr>
-                  </a:lvl2pPr>
-                  <a:lvl3pPr>
-                    <a:defRPr>
-                      <a:solidFill>
-                        <a:schemeClr val="lt1"/>
-                      </a:solidFill>
-                      <a:latin typeface="+mn-lt"/>
-                      <a:ea typeface="+mn-ea"/>
-                      <a:cs typeface="+mn-cs"/>
-                    </a:defRPr>
-                  </a:lvl3pPr>
-                  <a:lvl4pPr>
-                    <a:defRPr>
-                      <a:solidFill>
-                        <a:schemeClr val="lt1"/>
-                      </a:solidFill>
-                      <a:latin typeface="+mn-lt"/>
-                      <a:ea typeface="+mn-ea"/>
-                      <a:cs typeface="+mn-cs"/>
-                    </a:defRPr>
-                  </a:lvl4pPr>
-                  <a:lvl5pPr>
-                    <a:defRPr>
-                      <a:solidFill>
-                        <a:schemeClr val="lt1"/>
-                      </a:solidFill>
-                      <a:latin typeface="+mn-lt"/>
-                      <a:ea typeface="+mn-ea"/>
-                      <a:cs typeface="+mn-cs"/>
-                    </a:defRPr>
-                  </a:lvl5pPr>
-                  <a:lvl6pPr>
-                    <a:defRPr>
-                      <a:solidFill>
-                        <a:schemeClr val="lt1"/>
-                      </a:solidFill>
-                      <a:latin typeface="+mn-lt"/>
-                      <a:ea typeface="+mn-ea"/>
-                      <a:cs typeface="+mn-cs"/>
-                    </a:defRPr>
-                  </a:lvl6pPr>
-                  <a:lvl7pPr>
-                    <a:defRPr>
-                      <a:solidFill>
-                        <a:schemeClr val="lt1"/>
-                      </a:solidFill>
-                      <a:latin typeface="+mn-lt"/>
-                      <a:ea typeface="+mn-ea"/>
-                      <a:cs typeface="+mn-cs"/>
-                    </a:defRPr>
-                  </a:lvl7pPr>
-                  <a:lvl8pPr>
-                    <a:defRPr>
-                      <a:solidFill>
-                        <a:schemeClr val="lt1"/>
-                      </a:solidFill>
-                      <a:latin typeface="+mn-lt"/>
-                      <a:ea typeface="+mn-ea"/>
-                      <a:cs typeface="+mn-cs"/>
-                    </a:defRPr>
-                  </a:lvl8pPr>
-                  <a:lvl9pPr>
-                    <a:defRPr>
-                      <a:solidFill>
-                        <a:schemeClr val="lt1"/>
-                      </a:solidFill>
-                      <a:latin typeface="+mn-lt"/>
-                      <a:ea typeface="+mn-ea"/>
-                      <a:cs typeface="+mn-cs"/>
-                    </a:defRPr>
-                  </a:lvl9pPr>
-                </a:lstStyle>
-                <a:p>
-                  <a:pPr algn="ctr" fontAlgn="auto">
-                    <a:spcBef>
-                      <a:spcPts val="0"/>
-                    </a:spcBef>
-                    <a:spcAft>
-                      <a:spcPts val="0"/>
-                    </a:spcAft>
-                  </a:pPr>
-                  <a:r>
-                    <a:rPr lang="en-US" sz="1800" dirty="0" smtClean="0">
-                      <a:solidFill>
-                        <a:prstClr val="white"/>
-                      </a:solidFill>
-                      <a:latin typeface="Calibri"/>
-                    </a:rPr>
-                    <a:t>mark</a:t>
-                  </a:r>
-                  <a:endParaRPr lang="en-US" sz="1800" dirty="0">
-                    <a:solidFill>
-                      <a:prstClr val="white"/>
-                    </a:solidFill>
-                    <a:latin typeface="Calibri"/>
-                  </a:endParaRPr>
-                </a:p>
-              </p:txBody>
-            </p:sp>
-            <p:sp>
-              <p:nvSpPr>
-                <p:cNvPr id="99" name="Rounded Rectangle 98"/>
-                <p:cNvSpPr/>
-                <p:nvPr/>
-              </p:nvSpPr>
-              <p:spPr>
-                <a:xfrm>
-                  <a:off x="7162800" y="5638800"/>
-                  <a:ext cx="1219200" cy="533400"/>
-                </a:xfrm>
-                <a:prstGeom prst="roundRect">
-                  <a:avLst/>
-                </a:prstGeom>
-                <a:solidFill>
-                  <a:schemeClr val="accent3"/>
-                </a:solidFill>
-              </p:spPr>
-              <p:style>
-                <a:lnRef idx="1">
-                  <a:schemeClr val="accent1"/>
-                </a:lnRef>
-                <a:fillRef idx="3">
-                  <a:schemeClr val="accent1"/>
-                </a:fillRef>
-                <a:effectRef idx="2">
-                  <a:schemeClr val="accent1"/>
-                </a:effectRef>
-                <a:fontRef idx="minor">
-                  <a:schemeClr val="lt1"/>
-                </a:fontRef>
-              </p:style>
-              <p:txBody>
-                <a:bodyPr rtlCol="0" anchor="ctr"/>
-                <a:lstStyle>
-                  <a:lvl1pPr>
-                    <a:defRPr>
-                      <a:solidFill>
-                        <a:schemeClr val="lt1"/>
-                      </a:solidFill>
-                      <a:latin typeface="+mn-lt"/>
-                      <a:ea typeface="+mn-ea"/>
-                      <a:cs typeface="+mn-cs"/>
-                    </a:defRPr>
-                  </a:lvl1pPr>
-                  <a:lvl2pPr>
-                    <a:defRPr>
-                      <a:solidFill>
-                        <a:schemeClr val="lt1"/>
-                      </a:solidFill>
-                      <a:latin typeface="+mn-lt"/>
-                      <a:ea typeface="+mn-ea"/>
-                      <a:cs typeface="+mn-cs"/>
-                    </a:defRPr>
-                  </a:lvl2pPr>
-                  <a:lvl3pPr>
-                    <a:defRPr>
-                      <a:solidFill>
-                        <a:schemeClr val="lt1"/>
-                      </a:solidFill>
-                      <a:latin typeface="+mn-lt"/>
-                      <a:ea typeface="+mn-ea"/>
-                      <a:cs typeface="+mn-cs"/>
-                    </a:defRPr>
-                  </a:lvl3pPr>
-                  <a:lvl4pPr>
-                    <a:defRPr>
-                      <a:solidFill>
-                        <a:schemeClr val="lt1"/>
-                      </a:solidFill>
-                      <a:latin typeface="+mn-lt"/>
-                      <a:ea typeface="+mn-ea"/>
-                      <a:cs typeface="+mn-cs"/>
-                    </a:defRPr>
-                  </a:lvl4pPr>
-                  <a:lvl5pPr>
-                    <a:defRPr>
-                      <a:solidFill>
-                        <a:schemeClr val="lt1"/>
-                      </a:solidFill>
-                      <a:latin typeface="+mn-lt"/>
-                      <a:ea typeface="+mn-ea"/>
-                      <a:cs typeface="+mn-cs"/>
-                    </a:defRPr>
-                  </a:lvl5pPr>
-                  <a:lvl6pPr>
-                    <a:defRPr>
-                      <a:solidFill>
-                        <a:schemeClr val="lt1"/>
-                      </a:solidFill>
-                      <a:latin typeface="+mn-lt"/>
-                      <a:ea typeface="+mn-ea"/>
-                      <a:cs typeface="+mn-cs"/>
-                    </a:defRPr>
-                  </a:lvl6pPr>
-                  <a:lvl7pPr>
-                    <a:defRPr>
-                      <a:solidFill>
-                        <a:schemeClr val="lt1"/>
-                      </a:solidFill>
-                      <a:latin typeface="+mn-lt"/>
-                      <a:ea typeface="+mn-ea"/>
-                      <a:cs typeface="+mn-cs"/>
-                    </a:defRPr>
-                  </a:lvl7pPr>
-                  <a:lvl8pPr>
-                    <a:defRPr>
-                      <a:solidFill>
-                        <a:schemeClr val="lt1"/>
-                      </a:solidFill>
-                      <a:latin typeface="+mn-lt"/>
-                      <a:ea typeface="+mn-ea"/>
-                      <a:cs typeface="+mn-cs"/>
-                    </a:defRPr>
-                  </a:lvl8pPr>
-                  <a:lvl9pPr>
-                    <a:defRPr>
-                      <a:solidFill>
-                        <a:schemeClr val="lt1"/>
-                      </a:solidFill>
-                      <a:latin typeface="+mn-lt"/>
-                      <a:ea typeface="+mn-ea"/>
-                      <a:cs typeface="+mn-cs"/>
-                    </a:defRPr>
-                  </a:lvl9pPr>
-                </a:lstStyle>
-                <a:p>
-                  <a:pPr algn="ctr" fontAlgn="auto">
-                    <a:spcBef>
-                      <a:spcPts val="0"/>
-                    </a:spcBef>
-                    <a:spcAft>
-                      <a:spcPts val="0"/>
-                    </a:spcAft>
-                  </a:pPr>
-                  <a:r>
-                    <a:rPr lang="en-US" sz="1600" dirty="0" smtClean="0">
-                      <a:solidFill>
-                        <a:srgbClr val="1F497D"/>
-                      </a:solidFill>
-                      <a:latin typeface="Wingdings"/>
-                      <a:ea typeface="Wingdings"/>
-                      <a:cs typeface="Wingdings"/>
-                      <a:sym typeface="Wingdings"/>
-                    </a:rPr>
-                    <a:t></a:t>
-                  </a:r>
-                  <a:r>
-                    <a:rPr lang="en-US" sz="1600" dirty="0" smtClean="0">
-                      <a:solidFill>
-                        <a:srgbClr val="1F497D"/>
-                      </a:solidFill>
-                      <a:latin typeface="Calibri"/>
-                    </a:rPr>
-                    <a:t>Apps</a:t>
-                  </a:r>
-                  <a:endParaRPr lang="en-US" sz="1600" dirty="0" smtClean="0">
-                    <a:solidFill>
-                      <a:srgbClr val="1F497D"/>
-                    </a:solidFill>
-                    <a:latin typeface="Calibri"/>
-                  </a:endParaRPr>
-                </a:p>
-              </p:txBody>
-            </p:sp>
-          </p:grpSp>
-          <p:sp>
-            <p:nvSpPr>
-              <p:cNvPr id="43" name="AutoShape 25"/>
-              <p:cNvSpPr>
-                <a:spLocks noChangeArrowheads="1"/>
-              </p:cNvSpPr>
-              <p:nvPr/>
-            </p:nvSpPr>
-            <p:spPr bwMode="auto">
-              <a:xfrm>
-                <a:off x="914400" y="4114800"/>
-                <a:ext cx="1295400" cy="1066800"/>
-              </a:xfrm>
-              <a:prstGeom prst="can">
-                <a:avLst>
-                  <a:gd name="adj" fmla="val 25000"/>
-                </a:avLst>
-              </a:prstGeom>
-              <a:noFill/>
-              <a:ln w="25400">
-                <a:solidFill>
-                  <a:srgbClr val="558ED5"/>
-                </a:solidFill>
-                <a:miter lim="800000"/>
-                <a:headEnd/>
-                <a:tailEnd/>
-              </a:ln>
-            </p:spPr>
-            <p:txBody>
-              <a:bodyPr wrap="none" lIns="90000" tIns="46800" rIns="90000" bIns="46800" anchor="ctr" anchorCtr="1">
-                <a:prstTxWarp prst="textNoShape">
-                  <a:avLst/>
-                </a:prstTxWarp>
-              </a:bodyPr>
-              <a:lstStyle/>
-              <a:p>
-                <a:pPr algn="ctr" fontAlgn="auto">
-                  <a:spcBef>
-                    <a:spcPts val="0"/>
-                  </a:spcBef>
-                  <a:spcAft>
-                    <a:spcPts val="0"/>
-                  </a:spcAft>
-                  <a:buFont typeface="Verdana" charset="0"/>
-                  <a:buNone/>
-                  <a:tabLst>
-                    <a:tab pos="0" algn="l"/>
-                    <a:tab pos="914400" algn="l"/>
-                    <a:tab pos="1828800" algn="l"/>
-                    <a:tab pos="2743200" algn="l"/>
-                    <a:tab pos="3657600" algn="l"/>
-                    <a:tab pos="4572000" algn="l"/>
-                    <a:tab pos="5486400" algn="l"/>
-                    <a:tab pos="6400800" algn="l"/>
-                    <a:tab pos="7315200" algn="l"/>
-                    <a:tab pos="8229600" algn="l"/>
-                    <a:tab pos="9144000" algn="l"/>
-                    <a:tab pos="10058400" algn="l"/>
-                  </a:tabLst>
-                </a:pPr>
-                <a:endParaRPr lang="en-GB" sz="1500" dirty="0">
-                  <a:solidFill>
-                    <a:srgbClr val="000000"/>
-                  </a:solidFill>
-                  <a:latin typeface="Verdana" charset="0"/>
-                  <a:ea typeface="Arial" charset="0"/>
-                  <a:cs typeface="Arial" charset="0"/>
-                </a:endParaRPr>
-              </a:p>
-            </p:txBody>
-          </p:sp>
-          <p:pic>
-            <p:nvPicPr>
-              <p:cNvPr id="100" name="Picture 99" descr="script.png"/>
-              <p:cNvPicPr>
-                <a:picLocks noChangeAspect="1"/>
-              </p:cNvPicPr>
-              <p:nvPr/>
-            </p:nvPicPr>
-            <p:blipFill>
-              <a:blip r:embed="rId7" cstate="screen">
-                <a:extLst>
-                  <a:ext uri="{28A0092B-C50C-407E-A947-70E740481C1C}">
-                    <a14:useLocalDpi xmlns:a14="http://schemas.microsoft.com/office/drawing/2010/main"/>
-                  </a:ext>
-                </a:extLst>
-              </a:blip>
-              <a:stretch>
-                <a:fillRect/>
-              </a:stretch>
-            </p:blipFill>
-            <p:spPr>
-              <a:xfrm>
-                <a:off x="1041400" y="3048001"/>
-                <a:ext cx="1066800" cy="838200"/>
-              </a:xfrm>
-              <a:prstGeom prst="rect">
-                <a:avLst/>
-              </a:prstGeom>
-            </p:spPr>
-          </p:pic>
-          <p:sp>
-            <p:nvSpPr>
-              <p:cNvPr id="12" name="Rectangle 11"/>
-              <p:cNvSpPr/>
-              <p:nvPr/>
-            </p:nvSpPr>
-            <p:spPr>
-              <a:xfrm>
-                <a:off x="1699809" y="5224046"/>
-                <a:ext cx="3561053" cy="338554"/>
-              </a:xfrm>
-              <a:prstGeom prst="rect">
-                <a:avLst/>
-              </a:prstGeom>
-            </p:spPr>
-            <p:txBody>
-              <a:bodyPr wrap="none">
-                <a:spAutoFit/>
-              </a:bodyPr>
-              <a:lstStyle/>
-              <a:p>
-                <a:pPr algn="ctr" fontAlgn="auto">
-                  <a:spcBef>
-                    <a:spcPts val="0"/>
-                  </a:spcBef>
-                  <a:spcAft>
-                    <a:spcPts val="0"/>
-                  </a:spcAft>
-                  <a:buFont typeface="Verdana" charset="0"/>
-                  <a:buNone/>
-                  <a:tabLst>
-                    <a:tab pos="0" algn="l"/>
-                    <a:tab pos="914400" algn="l"/>
-                    <a:tab pos="1828800" algn="l"/>
-                    <a:tab pos="2743200" algn="l"/>
-                    <a:tab pos="3657600" algn="l"/>
-                    <a:tab pos="4572000" algn="l"/>
-                    <a:tab pos="5486400" algn="l"/>
-                    <a:tab pos="6400800" algn="l"/>
-                    <a:tab pos="7315200" algn="l"/>
-                    <a:tab pos="8229600" algn="l"/>
-                    <a:tab pos="9144000" algn="l"/>
-                    <a:tab pos="10058400" algn="l"/>
-                  </a:tabLst>
-                </a:pPr>
-                <a:r>
-                  <a:rPr lang="en-US" sz="1600" i="1" dirty="0" smtClean="0">
-                    <a:solidFill>
-                      <a:srgbClr val="1F497D"/>
-                    </a:solidFill>
-                    <a:latin typeface="Verdana" charset="0"/>
-                    <a:ea typeface="Arial" charset="0"/>
-                    <a:cs typeface="Arial" charset="0"/>
-                  </a:rPr>
-                  <a:t>Swift</a:t>
-                </a:r>
-                <a:r>
-                  <a:rPr lang="en-US" sz="1600" dirty="0" smtClean="0">
-                    <a:solidFill>
-                      <a:srgbClr val="1F497D"/>
-                    </a:solidFill>
-                    <a:latin typeface="Verdana" charset="0"/>
-                    <a:ea typeface="Arial" charset="0"/>
-                    <a:cs typeface="Arial" charset="0"/>
-                  </a:rPr>
-                  <a:t> h</a:t>
-                </a:r>
-                <a:r>
-                  <a:rPr lang="en-GB" sz="1600" dirty="0" err="1" smtClean="0">
-                    <a:solidFill>
-                      <a:srgbClr val="1F497D"/>
-                    </a:solidFill>
-                    <a:latin typeface="Verdana" charset="0"/>
-                    <a:ea typeface="Arial" charset="0"/>
-                    <a:cs typeface="Arial" charset="0"/>
-                  </a:rPr>
-                  <a:t>ost</a:t>
-                </a:r>
-                <a:r>
-                  <a:rPr lang="en-GB" sz="1600" dirty="0">
-                    <a:solidFill>
-                      <a:srgbClr val="1F497D"/>
-                    </a:solidFill>
-                    <a:latin typeface="Verdana" charset="0"/>
-                    <a:ea typeface="Arial" charset="0"/>
-                    <a:cs typeface="Arial" charset="0"/>
-                  </a:rPr>
-                  <a:t>: login node, laptop, …</a:t>
-                </a:r>
-              </a:p>
-            </p:txBody>
-          </p:sp>
-          <p:sp>
-            <p:nvSpPr>
-              <p:cNvPr id="101" name="Rectangle 100"/>
-              <p:cNvSpPr/>
-              <p:nvPr/>
-            </p:nvSpPr>
-            <p:spPr>
-              <a:xfrm>
-                <a:off x="1169521" y="3543300"/>
-                <a:ext cx="847126" cy="323165"/>
-              </a:xfrm>
-              <a:prstGeom prst="rect">
-                <a:avLst/>
-              </a:prstGeom>
-            </p:spPr>
-            <p:txBody>
-              <a:bodyPr wrap="none">
-                <a:spAutoFit/>
-              </a:bodyPr>
-              <a:lstStyle/>
-              <a:p>
-                <a:pPr algn="ctr" fontAlgn="auto">
-                  <a:spcBef>
-                    <a:spcPts val="0"/>
-                  </a:spcBef>
-                  <a:spcAft>
-                    <a:spcPts val="0"/>
-                  </a:spcAft>
-                  <a:buFont typeface="Verdana" charset="0"/>
-                  <a:buNone/>
-                  <a:tabLst>
-                    <a:tab pos="0" algn="l"/>
-                    <a:tab pos="914400" algn="l"/>
-                    <a:tab pos="1828800" algn="l"/>
-                    <a:tab pos="2743200" algn="l"/>
-                    <a:tab pos="3657600" algn="l"/>
-                    <a:tab pos="4572000" algn="l"/>
-                    <a:tab pos="5486400" algn="l"/>
-                    <a:tab pos="6400800" algn="l"/>
-                    <a:tab pos="7315200" algn="l"/>
-                    <a:tab pos="8229600" algn="l"/>
-                    <a:tab pos="9144000" algn="l"/>
-                    <a:tab pos="10058400" algn="l"/>
-                  </a:tabLst>
-                </a:pPr>
-                <a:r>
-                  <a:rPr lang="en-US" sz="1500" dirty="0" smtClean="0">
-                    <a:solidFill>
-                      <a:srgbClr val="1F497D"/>
-                    </a:solidFill>
-                    <a:latin typeface="Verdana" charset="0"/>
-                    <a:ea typeface="Arial" charset="0"/>
-                    <a:cs typeface="Arial" charset="0"/>
-                  </a:rPr>
-                  <a:t>Scripts</a:t>
-                </a:r>
-                <a:endParaRPr lang="en-GB" sz="1500" dirty="0">
+                <a:latin typeface="Calibri"/>
+                <a:ea typeface="+mn-ea"/>
+                <a:cs typeface="+mn-cs"/>
+              </a:endParaRPr>
+            </a:p>
+          </p:txBody>
+        </p:sp>
+        <p:pic>
+          <p:nvPicPr>
+            <p:cNvPr id="100" name="Picture 99" descr="script.png"/>
+            <p:cNvPicPr>
+              <a:picLocks noChangeAspect="1"/>
+            </p:cNvPicPr>
+            <p:nvPr/>
+          </p:nvPicPr>
+          <p:blipFill>
+            <a:blip r:embed="rId7" cstate="screen">
+              <a:extLst>
+                <a:ext uri="{28A0092B-C50C-407E-A947-70E740481C1C}">
+                  <a14:useLocalDpi xmlns:a14="http://schemas.microsoft.com/office/drawing/2010/main"/>
+                </a:ext>
+              </a:extLst>
+            </a:blip>
+            <a:stretch>
+              <a:fillRect/>
+            </a:stretch>
+          </p:blipFill>
+          <p:spPr>
+            <a:xfrm>
+              <a:off x="1041400" y="2590800"/>
+              <a:ext cx="1066800" cy="838200"/>
+            </a:xfrm>
+            <a:prstGeom prst="rect">
+              <a:avLst/>
+            </a:prstGeom>
+          </p:spPr>
+        </p:pic>
+        <p:sp>
+          <p:nvSpPr>
+            <p:cNvPr id="12" name="Rectangle 11"/>
+            <p:cNvSpPr/>
+            <p:nvPr/>
+          </p:nvSpPr>
+          <p:spPr>
+            <a:xfrm>
+              <a:off x="1699809" y="4919246"/>
+              <a:ext cx="3561053" cy="338554"/>
+            </a:xfrm>
+            <a:prstGeom prst="rect">
+              <a:avLst/>
+            </a:prstGeom>
+          </p:spPr>
+          <p:txBody>
+            <a:bodyPr wrap="none">
+              <a:spAutoFit/>
+            </a:bodyPr>
+            <a:lstStyle/>
+            <a:p>
+              <a:pPr algn="ctr" fontAlgn="auto">
+                <a:spcBef>
+                  <a:spcPts val="0"/>
+                </a:spcBef>
+                <a:spcAft>
+                  <a:spcPts val="0"/>
+                </a:spcAft>
+                <a:buFont typeface="Verdana" charset="0"/>
+                <a:buNone/>
+                <a:tabLst>
+                  <a:tab pos="0" algn="l"/>
+                  <a:tab pos="914400" algn="l"/>
+                  <a:tab pos="1828800" algn="l"/>
+                  <a:tab pos="2743200" algn="l"/>
+                  <a:tab pos="3657600" algn="l"/>
+                  <a:tab pos="4572000" algn="l"/>
+                  <a:tab pos="5486400" algn="l"/>
+                  <a:tab pos="6400800" algn="l"/>
+                  <a:tab pos="7315200" algn="l"/>
+                  <a:tab pos="8229600" algn="l"/>
+                  <a:tab pos="9144000" algn="l"/>
+                  <a:tab pos="10058400" algn="l"/>
+                </a:tabLst>
+              </a:pPr>
+              <a:r>
+                <a:rPr lang="en-US" sz="1600" i="1" dirty="0" smtClean="0">
                   <a:solidFill>
                     <a:srgbClr val="1F497D"/>
                   </a:solidFill>
                   <a:latin typeface="Verdana" charset="0"/>
                   <a:ea typeface="Arial" charset="0"/>
                   <a:cs typeface="Arial" charset="0"/>
-                </a:endParaRPr>
-              </a:p>
-            </p:txBody>
-          </p:sp>
-        </p:grpSp>
+                </a:rPr>
+                <a:t>Swift</a:t>
+              </a:r>
+              <a:r>
+                <a:rPr lang="en-US" sz="1600" dirty="0" smtClean="0">
+                  <a:solidFill>
+                    <a:srgbClr val="1F497D"/>
+                  </a:solidFill>
+                  <a:latin typeface="Verdana" charset="0"/>
+                  <a:ea typeface="Arial" charset="0"/>
+                  <a:cs typeface="Arial" charset="0"/>
+                </a:rPr>
+                <a:t> h</a:t>
+              </a:r>
+              <a:r>
+                <a:rPr lang="en-GB" sz="1600" dirty="0" err="1" smtClean="0">
+                  <a:solidFill>
+                    <a:srgbClr val="1F497D"/>
+                  </a:solidFill>
+                  <a:latin typeface="Verdana" charset="0"/>
+                  <a:ea typeface="Arial" charset="0"/>
+                  <a:cs typeface="Arial" charset="0"/>
+                </a:rPr>
+                <a:t>ost</a:t>
+              </a:r>
+              <a:r>
+                <a:rPr lang="en-GB" sz="1600" dirty="0">
+                  <a:solidFill>
+                    <a:srgbClr val="1F497D"/>
+                  </a:solidFill>
+                  <a:latin typeface="Verdana" charset="0"/>
+                  <a:ea typeface="Arial" charset="0"/>
+                  <a:cs typeface="Arial" charset="0"/>
+                </a:rPr>
+                <a:t>: login node, laptop, …</a:t>
+              </a:r>
+            </a:p>
+          </p:txBody>
+        </p:sp>
+        <p:sp>
+          <p:nvSpPr>
+            <p:cNvPr id="101" name="Rectangle 100"/>
+            <p:cNvSpPr/>
+            <p:nvPr/>
+          </p:nvSpPr>
+          <p:spPr>
+            <a:xfrm>
+              <a:off x="1026679" y="3152001"/>
+              <a:ext cx="1031051" cy="276999"/>
+            </a:xfrm>
+            <a:prstGeom prst="rect">
+              <a:avLst/>
+            </a:prstGeom>
+          </p:spPr>
+          <p:txBody>
+            <a:bodyPr wrap="none">
+              <a:spAutoFit/>
+            </a:bodyPr>
+            <a:lstStyle/>
+            <a:p>
+              <a:pPr algn="ctr" fontAlgn="auto">
+                <a:spcBef>
+                  <a:spcPts val="0"/>
+                </a:spcBef>
+                <a:spcAft>
+                  <a:spcPts val="0"/>
+                </a:spcAft>
+                <a:buFont typeface="Verdana" charset="0"/>
+                <a:buNone/>
+                <a:tabLst>
+                  <a:tab pos="0" algn="l"/>
+                  <a:tab pos="914400" algn="l"/>
+                  <a:tab pos="1828800" algn="l"/>
+                  <a:tab pos="2743200" algn="l"/>
+                  <a:tab pos="3657600" algn="l"/>
+                  <a:tab pos="4572000" algn="l"/>
+                  <a:tab pos="5486400" algn="l"/>
+                  <a:tab pos="6400800" algn="l"/>
+                  <a:tab pos="7315200" algn="l"/>
+                  <a:tab pos="8229600" algn="l"/>
+                  <a:tab pos="9144000" algn="l"/>
+                  <a:tab pos="10058400" algn="l"/>
+                </a:tabLst>
+              </a:pPr>
+              <a:r>
+                <a:rPr lang="en-US" sz="1200" dirty="0" err="1">
+                  <a:solidFill>
+                    <a:srgbClr val="1F497D"/>
+                  </a:solidFill>
+                  <a:latin typeface="Verdana" charset="0"/>
+                  <a:ea typeface="Arial" charset="0"/>
+                  <a:cs typeface="Arial" charset="0"/>
+                </a:rPr>
+                <a:t>s</a:t>
+              </a:r>
+              <a:r>
+                <a:rPr lang="en-US" sz="1200" dirty="0" err="1" smtClean="0">
+                  <a:solidFill>
+                    <a:srgbClr val="1F497D"/>
+                  </a:solidFill>
+                  <a:latin typeface="Verdana" charset="0"/>
+                  <a:ea typeface="Arial" charset="0"/>
+                  <a:cs typeface="Arial" charset="0"/>
+                </a:rPr>
+                <a:t>cript.swift</a:t>
+              </a:r>
+              <a:endParaRPr lang="en-GB" sz="1200" dirty="0">
+                <a:solidFill>
+                  <a:srgbClr val="1F497D"/>
+                </a:solidFill>
+                <a:latin typeface="Verdana" charset="0"/>
+                <a:ea typeface="Arial" charset="0"/>
+                <a:cs typeface="Arial" charset="0"/>
+              </a:endParaRPr>
+            </a:p>
+          </p:txBody>
+        </p:sp>
         <p:sp>
           <p:nvSpPr>
             <p:cNvPr id="61449" name="Line 39"/>
@@ -24779,6 +23933,1117 @@
             </a:prstGeom>
           </p:spPr>
         </p:pic>
+        <p:grpSp>
+          <p:nvGrpSpPr>
+            <p:cNvPr id="10" name="Group 9"/>
+            <p:cNvGrpSpPr/>
+            <p:nvPr/>
+          </p:nvGrpSpPr>
+          <p:grpSpPr>
+            <a:xfrm>
+              <a:off x="1042431" y="3626491"/>
+              <a:ext cx="1014969" cy="1555109"/>
+              <a:chOff x="-667356" y="3048001"/>
+              <a:chExt cx="1124556" cy="1922726"/>
+            </a:xfrm>
+          </p:grpSpPr>
+          <p:sp>
+            <p:nvSpPr>
+              <p:cNvPr id="106" name="AutoShape 19"/>
+              <p:cNvSpPr>
+                <a:spLocks noChangeArrowheads="1"/>
+              </p:cNvSpPr>
+              <p:nvPr/>
+            </p:nvSpPr>
+            <p:spPr bwMode="auto">
+              <a:xfrm>
+                <a:off x="-667356" y="3048001"/>
+                <a:ext cx="1124556" cy="1922726"/>
+              </a:xfrm>
+              <a:prstGeom prst="flowChartDocument">
+                <a:avLst/>
+              </a:prstGeom>
+              <a:solidFill>
+                <a:srgbClr val="FFFFFF"/>
+              </a:solidFill>
+              <a:ln w="25400">
+                <a:solidFill>
+                  <a:srgbClr val="558ED5"/>
+                </a:solidFill>
+                <a:miter lim="800000"/>
+                <a:headEnd/>
+                <a:tailEnd/>
+              </a:ln>
+            </p:spPr>
+            <p:txBody>
+              <a:bodyPr wrap="none" lIns="90000" tIns="46800" rIns="90000" bIns="46800" anchor="ctr" anchorCtr="1">
+                <a:prstTxWarp prst="textNoShape">
+                  <a:avLst/>
+                </a:prstTxWarp>
+              </a:bodyPr>
+              <a:lstStyle/>
+              <a:p>
+                <a:pPr algn="ctr" fontAlgn="auto">
+                  <a:spcBef>
+                    <a:spcPts val="0"/>
+                  </a:spcBef>
+                  <a:spcAft>
+                    <a:spcPts val="0"/>
+                  </a:spcAft>
+                  <a:buFont typeface="Verdana" charset="0"/>
+                  <a:buNone/>
+                  <a:tabLst>
+                    <a:tab pos="0" algn="l"/>
+                    <a:tab pos="914400" algn="l"/>
+                    <a:tab pos="1828800" algn="l"/>
+                    <a:tab pos="2743200" algn="l"/>
+                    <a:tab pos="3657600" algn="l"/>
+                    <a:tab pos="4572000" algn="l"/>
+                    <a:tab pos="5486400" algn="l"/>
+                    <a:tab pos="6400800" algn="l"/>
+                    <a:tab pos="7315200" algn="l"/>
+                    <a:tab pos="8229600" algn="l"/>
+                    <a:tab pos="9144000" algn="l"/>
+                    <a:tab pos="10058400" algn="l"/>
+                  </a:tabLst>
+                </a:pPr>
+                <a:endParaRPr lang="en-GB" sz="1200" dirty="0">
+                  <a:solidFill>
+                    <a:srgbClr val="000000"/>
+                  </a:solidFill>
+                  <a:latin typeface="Verdana" charset="0"/>
+                  <a:ea typeface="Arial" charset="0"/>
+                  <a:cs typeface="Arial" charset="0"/>
+                </a:endParaRPr>
+              </a:p>
+            </p:txBody>
+          </p:sp>
+          <p:grpSp>
+            <p:nvGrpSpPr>
+              <p:cNvPr id="94" name="Group 93"/>
+              <p:cNvGrpSpPr/>
+              <p:nvPr/>
+            </p:nvGrpSpPr>
+            <p:grpSpPr>
+              <a:xfrm>
+                <a:off x="-507632" y="3799295"/>
+                <a:ext cx="897781" cy="561538"/>
+                <a:chOff x="4753847" y="4861662"/>
+                <a:chExt cx="1373648" cy="776053"/>
+              </a:xfrm>
+            </p:grpSpPr>
+            <p:sp>
+              <p:nvSpPr>
+                <p:cNvPr id="96" name="Rounded Rectangle 95"/>
+                <p:cNvSpPr/>
+                <p:nvPr/>
+              </p:nvSpPr>
+              <p:spPr>
+                <a:xfrm>
+                  <a:off x="4908295" y="4861662"/>
+                  <a:ext cx="1219200" cy="533399"/>
+                </a:xfrm>
+                <a:prstGeom prst="roundRect">
+                  <a:avLst/>
+                </a:prstGeom>
+                <a:solidFill>
+                  <a:srgbClr val="4BACC6"/>
+                </a:solidFill>
+              </p:spPr>
+              <p:style>
+                <a:lnRef idx="1">
+                  <a:schemeClr val="accent1"/>
+                </a:lnRef>
+                <a:fillRef idx="3">
+                  <a:schemeClr val="accent1"/>
+                </a:fillRef>
+                <a:effectRef idx="2">
+                  <a:schemeClr val="accent1"/>
+                </a:effectRef>
+                <a:fontRef idx="minor">
+                  <a:schemeClr val="lt1"/>
+                </a:fontRef>
+              </p:style>
+              <p:txBody>
+                <a:bodyPr rtlCol="0" anchor="ctr"/>
+                <a:lstStyle>
+                  <a:lvl1pPr>
+                    <a:defRPr>
+                      <a:solidFill>
+                        <a:schemeClr val="lt1"/>
+                      </a:solidFill>
+                      <a:latin typeface="+mn-lt"/>
+                      <a:ea typeface="+mn-ea"/>
+                      <a:cs typeface="+mn-cs"/>
+                    </a:defRPr>
+                  </a:lvl1pPr>
+                  <a:lvl2pPr>
+                    <a:defRPr>
+                      <a:solidFill>
+                        <a:schemeClr val="lt1"/>
+                      </a:solidFill>
+                      <a:latin typeface="+mn-lt"/>
+                      <a:ea typeface="+mn-ea"/>
+                      <a:cs typeface="+mn-cs"/>
+                    </a:defRPr>
+                  </a:lvl2pPr>
+                  <a:lvl3pPr>
+                    <a:defRPr>
+                      <a:solidFill>
+                        <a:schemeClr val="lt1"/>
+                      </a:solidFill>
+                      <a:latin typeface="+mn-lt"/>
+                      <a:ea typeface="+mn-ea"/>
+                      <a:cs typeface="+mn-cs"/>
+                    </a:defRPr>
+                  </a:lvl3pPr>
+                  <a:lvl4pPr>
+                    <a:defRPr>
+                      <a:solidFill>
+                        <a:schemeClr val="lt1"/>
+                      </a:solidFill>
+                      <a:latin typeface="+mn-lt"/>
+                      <a:ea typeface="+mn-ea"/>
+                      <a:cs typeface="+mn-cs"/>
+                    </a:defRPr>
+                  </a:lvl4pPr>
+                  <a:lvl5pPr>
+                    <a:defRPr>
+                      <a:solidFill>
+                        <a:schemeClr val="lt1"/>
+                      </a:solidFill>
+                      <a:latin typeface="+mn-lt"/>
+                      <a:ea typeface="+mn-ea"/>
+                      <a:cs typeface="+mn-cs"/>
+                    </a:defRPr>
+                  </a:lvl5pPr>
+                  <a:lvl6pPr>
+                    <a:defRPr>
+                      <a:solidFill>
+                        <a:schemeClr val="lt1"/>
+                      </a:solidFill>
+                      <a:latin typeface="+mn-lt"/>
+                      <a:ea typeface="+mn-ea"/>
+                      <a:cs typeface="+mn-cs"/>
+                    </a:defRPr>
+                  </a:lvl6pPr>
+                  <a:lvl7pPr>
+                    <a:defRPr>
+                      <a:solidFill>
+                        <a:schemeClr val="lt1"/>
+                      </a:solidFill>
+                      <a:latin typeface="+mn-lt"/>
+                      <a:ea typeface="+mn-ea"/>
+                      <a:cs typeface="+mn-cs"/>
+                    </a:defRPr>
+                  </a:lvl7pPr>
+                  <a:lvl8pPr>
+                    <a:defRPr>
+                      <a:solidFill>
+                        <a:schemeClr val="lt1"/>
+                      </a:solidFill>
+                      <a:latin typeface="+mn-lt"/>
+                      <a:ea typeface="+mn-ea"/>
+                      <a:cs typeface="+mn-cs"/>
+                    </a:defRPr>
+                  </a:lvl8pPr>
+                  <a:lvl9pPr>
+                    <a:defRPr>
+                      <a:solidFill>
+                        <a:schemeClr val="lt1"/>
+                      </a:solidFill>
+                      <a:latin typeface="+mn-lt"/>
+                      <a:ea typeface="+mn-ea"/>
+                      <a:cs typeface="+mn-cs"/>
+                    </a:defRPr>
+                  </a:lvl9pPr>
+                </a:lstStyle>
+                <a:p>
+                  <a:pPr algn="ctr" fontAlgn="auto">
+                    <a:spcBef>
+                      <a:spcPts val="0"/>
+                    </a:spcBef>
+                    <a:spcAft>
+                      <a:spcPts val="0"/>
+                    </a:spcAft>
+                  </a:pPr>
+                  <a:endParaRPr lang="en-US" sz="1400" dirty="0" smtClean="0">
+                    <a:solidFill>
+                      <a:prstClr val="white"/>
+                    </a:solidFill>
+                    <a:latin typeface="Calibri"/>
+                  </a:endParaRPr>
+                </a:p>
+              </p:txBody>
+            </p:sp>
+            <p:sp>
+              <p:nvSpPr>
+                <p:cNvPr id="98" name="Rounded Rectangle 97"/>
+                <p:cNvSpPr/>
+                <p:nvPr/>
+              </p:nvSpPr>
+              <p:spPr>
+                <a:xfrm>
+                  <a:off x="4830046" y="4951916"/>
+                  <a:ext cx="1219200" cy="533399"/>
+                </a:xfrm>
+                <a:prstGeom prst="roundRect">
+                  <a:avLst/>
+                </a:prstGeom>
+                <a:solidFill>
+                  <a:schemeClr val="accent2">
+                    <a:lumMod val="75000"/>
+                  </a:schemeClr>
+                </a:solidFill>
+              </p:spPr>
+              <p:style>
+                <a:lnRef idx="1">
+                  <a:schemeClr val="accent1"/>
+                </a:lnRef>
+                <a:fillRef idx="3">
+                  <a:schemeClr val="accent1"/>
+                </a:fillRef>
+                <a:effectRef idx="2">
+                  <a:schemeClr val="accent1"/>
+                </a:effectRef>
+                <a:fontRef idx="minor">
+                  <a:schemeClr val="lt1"/>
+                </a:fontRef>
+              </p:style>
+              <p:txBody>
+                <a:bodyPr rtlCol="0" anchor="ctr"/>
+                <a:lstStyle>
+                  <a:lvl1pPr>
+                    <a:defRPr>
+                      <a:solidFill>
+                        <a:schemeClr val="lt1"/>
+                      </a:solidFill>
+                      <a:latin typeface="+mn-lt"/>
+                      <a:ea typeface="+mn-ea"/>
+                      <a:cs typeface="+mn-cs"/>
+                    </a:defRPr>
+                  </a:lvl1pPr>
+                  <a:lvl2pPr>
+                    <a:defRPr>
+                      <a:solidFill>
+                        <a:schemeClr val="lt1"/>
+                      </a:solidFill>
+                      <a:latin typeface="+mn-lt"/>
+                      <a:ea typeface="+mn-ea"/>
+                      <a:cs typeface="+mn-cs"/>
+                    </a:defRPr>
+                  </a:lvl2pPr>
+                  <a:lvl3pPr>
+                    <a:defRPr>
+                      <a:solidFill>
+                        <a:schemeClr val="lt1"/>
+                      </a:solidFill>
+                      <a:latin typeface="+mn-lt"/>
+                      <a:ea typeface="+mn-ea"/>
+                      <a:cs typeface="+mn-cs"/>
+                    </a:defRPr>
+                  </a:lvl3pPr>
+                  <a:lvl4pPr>
+                    <a:defRPr>
+                      <a:solidFill>
+                        <a:schemeClr val="lt1"/>
+                      </a:solidFill>
+                      <a:latin typeface="+mn-lt"/>
+                      <a:ea typeface="+mn-ea"/>
+                      <a:cs typeface="+mn-cs"/>
+                    </a:defRPr>
+                  </a:lvl4pPr>
+                  <a:lvl5pPr>
+                    <a:defRPr>
+                      <a:solidFill>
+                        <a:schemeClr val="lt1"/>
+                      </a:solidFill>
+                      <a:latin typeface="+mn-lt"/>
+                      <a:ea typeface="+mn-ea"/>
+                      <a:cs typeface="+mn-cs"/>
+                    </a:defRPr>
+                  </a:lvl5pPr>
+                  <a:lvl6pPr>
+                    <a:defRPr>
+                      <a:solidFill>
+                        <a:schemeClr val="lt1"/>
+                      </a:solidFill>
+                      <a:latin typeface="+mn-lt"/>
+                      <a:ea typeface="+mn-ea"/>
+                      <a:cs typeface="+mn-cs"/>
+                    </a:defRPr>
+                  </a:lvl6pPr>
+                  <a:lvl7pPr>
+                    <a:defRPr>
+                      <a:solidFill>
+                        <a:schemeClr val="lt1"/>
+                      </a:solidFill>
+                      <a:latin typeface="+mn-lt"/>
+                      <a:ea typeface="+mn-ea"/>
+                      <a:cs typeface="+mn-cs"/>
+                    </a:defRPr>
+                  </a:lvl7pPr>
+                  <a:lvl8pPr>
+                    <a:defRPr>
+                      <a:solidFill>
+                        <a:schemeClr val="lt1"/>
+                      </a:solidFill>
+                      <a:latin typeface="+mn-lt"/>
+                      <a:ea typeface="+mn-ea"/>
+                      <a:cs typeface="+mn-cs"/>
+                    </a:defRPr>
+                  </a:lvl8pPr>
+                  <a:lvl9pPr>
+                    <a:defRPr>
+                      <a:solidFill>
+                        <a:schemeClr val="lt1"/>
+                      </a:solidFill>
+                      <a:latin typeface="+mn-lt"/>
+                      <a:ea typeface="+mn-ea"/>
+                      <a:cs typeface="+mn-cs"/>
+                    </a:defRPr>
+                  </a:lvl9pPr>
+                </a:lstStyle>
+                <a:p>
+                  <a:pPr algn="ctr" fontAlgn="auto">
+                    <a:spcBef>
+                      <a:spcPts val="0"/>
+                    </a:spcBef>
+                    <a:spcAft>
+                      <a:spcPts val="0"/>
+                    </a:spcAft>
+                  </a:pPr>
+                  <a:r>
+                    <a:rPr lang="en-US" sz="1400" dirty="0" smtClean="0">
+                      <a:solidFill>
+                        <a:prstClr val="white"/>
+                      </a:solidFill>
+                      <a:latin typeface="Calibri"/>
+                    </a:rPr>
+                    <a:t>mark</a:t>
+                  </a:r>
+                  <a:endParaRPr lang="en-US" sz="1400" dirty="0">
+                    <a:solidFill>
+                      <a:prstClr val="white"/>
+                    </a:solidFill>
+                    <a:latin typeface="Calibri"/>
+                  </a:endParaRPr>
+                </a:p>
+              </p:txBody>
+            </p:sp>
+            <p:sp>
+              <p:nvSpPr>
+                <p:cNvPr id="99" name="Rounded Rectangle 98"/>
+                <p:cNvSpPr/>
+                <p:nvPr/>
+              </p:nvSpPr>
+              <p:spPr>
+                <a:xfrm>
+                  <a:off x="4753847" y="5104315"/>
+                  <a:ext cx="1219200" cy="533400"/>
+                </a:xfrm>
+                <a:prstGeom prst="roundRect">
+                  <a:avLst/>
+                </a:prstGeom>
+                <a:solidFill>
+                  <a:schemeClr val="accent3"/>
+                </a:solidFill>
+              </p:spPr>
+              <p:style>
+                <a:lnRef idx="1">
+                  <a:schemeClr val="accent1"/>
+                </a:lnRef>
+                <a:fillRef idx="3">
+                  <a:schemeClr val="accent1"/>
+                </a:fillRef>
+                <a:effectRef idx="2">
+                  <a:schemeClr val="accent1"/>
+                </a:effectRef>
+                <a:fontRef idx="minor">
+                  <a:schemeClr val="lt1"/>
+                </a:fontRef>
+              </p:style>
+              <p:txBody>
+                <a:bodyPr rtlCol="0" anchor="ctr"/>
+                <a:lstStyle>
+                  <a:lvl1pPr>
+                    <a:defRPr>
+                      <a:solidFill>
+                        <a:schemeClr val="lt1"/>
+                      </a:solidFill>
+                      <a:latin typeface="+mn-lt"/>
+                      <a:ea typeface="+mn-ea"/>
+                      <a:cs typeface="+mn-cs"/>
+                    </a:defRPr>
+                  </a:lvl1pPr>
+                  <a:lvl2pPr>
+                    <a:defRPr>
+                      <a:solidFill>
+                        <a:schemeClr val="lt1"/>
+                      </a:solidFill>
+                      <a:latin typeface="+mn-lt"/>
+                      <a:ea typeface="+mn-ea"/>
+                      <a:cs typeface="+mn-cs"/>
+                    </a:defRPr>
+                  </a:lvl2pPr>
+                  <a:lvl3pPr>
+                    <a:defRPr>
+                      <a:solidFill>
+                        <a:schemeClr val="lt1"/>
+                      </a:solidFill>
+                      <a:latin typeface="+mn-lt"/>
+                      <a:ea typeface="+mn-ea"/>
+                      <a:cs typeface="+mn-cs"/>
+                    </a:defRPr>
+                  </a:lvl3pPr>
+                  <a:lvl4pPr>
+                    <a:defRPr>
+                      <a:solidFill>
+                        <a:schemeClr val="lt1"/>
+                      </a:solidFill>
+                      <a:latin typeface="+mn-lt"/>
+                      <a:ea typeface="+mn-ea"/>
+                      <a:cs typeface="+mn-cs"/>
+                    </a:defRPr>
+                  </a:lvl4pPr>
+                  <a:lvl5pPr>
+                    <a:defRPr>
+                      <a:solidFill>
+                        <a:schemeClr val="lt1"/>
+                      </a:solidFill>
+                      <a:latin typeface="+mn-lt"/>
+                      <a:ea typeface="+mn-ea"/>
+                      <a:cs typeface="+mn-cs"/>
+                    </a:defRPr>
+                  </a:lvl5pPr>
+                  <a:lvl6pPr>
+                    <a:defRPr>
+                      <a:solidFill>
+                        <a:schemeClr val="lt1"/>
+                      </a:solidFill>
+                      <a:latin typeface="+mn-lt"/>
+                      <a:ea typeface="+mn-ea"/>
+                      <a:cs typeface="+mn-cs"/>
+                    </a:defRPr>
+                  </a:lvl6pPr>
+                  <a:lvl7pPr>
+                    <a:defRPr>
+                      <a:solidFill>
+                        <a:schemeClr val="lt1"/>
+                      </a:solidFill>
+                      <a:latin typeface="+mn-lt"/>
+                      <a:ea typeface="+mn-ea"/>
+                      <a:cs typeface="+mn-cs"/>
+                    </a:defRPr>
+                  </a:lvl7pPr>
+                  <a:lvl8pPr>
+                    <a:defRPr>
+                      <a:solidFill>
+                        <a:schemeClr val="lt1"/>
+                      </a:solidFill>
+                      <a:latin typeface="+mn-lt"/>
+                      <a:ea typeface="+mn-ea"/>
+                      <a:cs typeface="+mn-cs"/>
+                    </a:defRPr>
+                  </a:lvl8pPr>
+                  <a:lvl9pPr>
+                    <a:defRPr>
+                      <a:solidFill>
+                        <a:schemeClr val="lt1"/>
+                      </a:solidFill>
+                      <a:latin typeface="+mn-lt"/>
+                      <a:ea typeface="+mn-ea"/>
+                      <a:cs typeface="+mn-cs"/>
+                    </a:defRPr>
+                  </a:lvl9pPr>
+                </a:lstStyle>
+                <a:p>
+                  <a:pPr algn="ctr" fontAlgn="auto">
+                    <a:spcBef>
+                      <a:spcPts val="0"/>
+                    </a:spcBef>
+                    <a:spcAft>
+                      <a:spcPts val="0"/>
+                    </a:spcAft>
+                  </a:pPr>
+                  <a:r>
+                    <a:rPr lang="en-US" sz="1200" dirty="0" smtClean="0">
+                      <a:solidFill>
+                        <a:srgbClr val="1F497D"/>
+                      </a:solidFill>
+                      <a:latin typeface="Wingdings"/>
+                      <a:ea typeface="Wingdings"/>
+                      <a:cs typeface="Wingdings"/>
+                      <a:sym typeface="Wingdings"/>
+                    </a:rPr>
+                    <a:t></a:t>
+                  </a:r>
+                  <a:r>
+                    <a:rPr lang="en-US" sz="1200" dirty="0" smtClean="0">
+                      <a:solidFill>
+                        <a:srgbClr val="1F497D"/>
+                      </a:solidFill>
+                      <a:latin typeface="Calibri"/>
+                      <a:sym typeface="Wingdings"/>
+                    </a:rPr>
+                    <a:t>A</a:t>
+                  </a:r>
+                  <a:r>
+                    <a:rPr lang="en-US" sz="1200" dirty="0" smtClean="0">
+                      <a:solidFill>
+                        <a:srgbClr val="1F497D"/>
+                      </a:solidFill>
+                      <a:latin typeface="Calibri"/>
+                    </a:rPr>
+                    <a:t>pp</a:t>
+                  </a:r>
+                  <a:endParaRPr lang="en-US" sz="1200" dirty="0" smtClean="0">
+                    <a:solidFill>
+                      <a:srgbClr val="1F497D"/>
+                    </a:solidFill>
+                    <a:latin typeface="Calibri"/>
+                  </a:endParaRPr>
+                </a:p>
+              </p:txBody>
+            </p:sp>
+          </p:grpSp>
+          <p:sp>
+            <p:nvSpPr>
+              <p:cNvPr id="107" name="Rectangle 106"/>
+              <p:cNvSpPr/>
+              <p:nvPr/>
+            </p:nvSpPr>
+            <p:spPr>
+              <a:xfrm>
+                <a:off x="-581172" y="4325035"/>
+                <a:ext cx="928785" cy="276999"/>
+              </a:xfrm>
+              <a:prstGeom prst="rect">
+                <a:avLst/>
+              </a:prstGeom>
+            </p:spPr>
+            <p:txBody>
+              <a:bodyPr wrap="none">
+                <a:spAutoFit/>
+              </a:bodyPr>
+              <a:lstStyle/>
+              <a:p>
+                <a:pPr algn="ctr" fontAlgn="auto">
+                  <a:spcBef>
+                    <a:spcPts val="0"/>
+                  </a:spcBef>
+                  <a:spcAft>
+                    <a:spcPts val="0"/>
+                  </a:spcAft>
+                  <a:buFont typeface="Verdana" charset="0"/>
+                  <a:buNone/>
+                  <a:tabLst>
+                    <a:tab pos="0" algn="l"/>
+                    <a:tab pos="914400" algn="l"/>
+                    <a:tab pos="1828800" algn="l"/>
+                    <a:tab pos="2743200" algn="l"/>
+                    <a:tab pos="3657600" algn="l"/>
+                    <a:tab pos="4572000" algn="l"/>
+                    <a:tab pos="5486400" algn="l"/>
+                    <a:tab pos="6400800" algn="l"/>
+                    <a:tab pos="7315200" algn="l"/>
+                    <a:tab pos="8229600" algn="l"/>
+                    <a:tab pos="9144000" algn="l"/>
+                    <a:tab pos="10058400" algn="l"/>
+                  </a:tabLst>
+                </a:pPr>
+                <a:r>
+                  <a:rPr lang="en-US" sz="1200" dirty="0" err="1" smtClean="0">
+                    <a:solidFill>
+                      <a:srgbClr val="1F497D"/>
+                    </a:solidFill>
+                    <a:latin typeface="Verdana" charset="0"/>
+                    <a:ea typeface="Arial" charset="0"/>
+                    <a:cs typeface="Arial" charset="0"/>
+                  </a:rPr>
+                  <a:t>swift.conf</a:t>
+                </a:r>
+                <a:endParaRPr lang="en-GB" sz="1200" dirty="0">
+                  <a:solidFill>
+                    <a:srgbClr val="1F497D"/>
+                  </a:solidFill>
+                  <a:latin typeface="Verdana" charset="0"/>
+                  <a:ea typeface="Arial" charset="0"/>
+                  <a:cs typeface="Arial" charset="0"/>
+                </a:endParaRPr>
+              </a:p>
+            </p:txBody>
+          </p:sp>
+          <p:grpSp>
+            <p:nvGrpSpPr>
+              <p:cNvPr id="108" name="Group 107"/>
+              <p:cNvGrpSpPr/>
+              <p:nvPr/>
+            </p:nvGrpSpPr>
+            <p:grpSpPr>
+              <a:xfrm>
+                <a:off x="-520175" y="3124200"/>
+                <a:ext cx="897781" cy="561538"/>
+                <a:chOff x="4753847" y="4861662"/>
+                <a:chExt cx="1373648" cy="776053"/>
+              </a:xfrm>
+            </p:grpSpPr>
+            <p:sp>
+              <p:nvSpPr>
+                <p:cNvPr id="109" name="Rounded Rectangle 108"/>
+                <p:cNvSpPr/>
+                <p:nvPr/>
+              </p:nvSpPr>
+              <p:spPr>
+                <a:xfrm>
+                  <a:off x="4908295" y="4861662"/>
+                  <a:ext cx="1219200" cy="533399"/>
+                </a:xfrm>
+                <a:prstGeom prst="roundRect">
+                  <a:avLst/>
+                </a:prstGeom>
+                <a:solidFill>
+                  <a:schemeClr val="accent3"/>
+                </a:solidFill>
+              </p:spPr>
+              <p:style>
+                <a:lnRef idx="1">
+                  <a:schemeClr val="accent1"/>
+                </a:lnRef>
+                <a:fillRef idx="3">
+                  <a:schemeClr val="accent1"/>
+                </a:fillRef>
+                <a:effectRef idx="2">
+                  <a:schemeClr val="accent1"/>
+                </a:effectRef>
+                <a:fontRef idx="minor">
+                  <a:schemeClr val="lt1"/>
+                </a:fontRef>
+              </p:style>
+              <p:txBody>
+                <a:bodyPr rtlCol="0" anchor="ctr"/>
+                <a:lstStyle>
+                  <a:lvl1pPr>
+                    <a:defRPr>
+                      <a:solidFill>
+                        <a:schemeClr val="lt1"/>
+                      </a:solidFill>
+                      <a:latin typeface="+mn-lt"/>
+                      <a:ea typeface="+mn-ea"/>
+                      <a:cs typeface="+mn-cs"/>
+                    </a:defRPr>
+                  </a:lvl1pPr>
+                  <a:lvl2pPr>
+                    <a:defRPr>
+                      <a:solidFill>
+                        <a:schemeClr val="lt1"/>
+                      </a:solidFill>
+                      <a:latin typeface="+mn-lt"/>
+                      <a:ea typeface="+mn-ea"/>
+                      <a:cs typeface="+mn-cs"/>
+                    </a:defRPr>
+                  </a:lvl2pPr>
+                  <a:lvl3pPr>
+                    <a:defRPr>
+                      <a:solidFill>
+                        <a:schemeClr val="lt1"/>
+                      </a:solidFill>
+                      <a:latin typeface="+mn-lt"/>
+                      <a:ea typeface="+mn-ea"/>
+                      <a:cs typeface="+mn-cs"/>
+                    </a:defRPr>
+                  </a:lvl3pPr>
+                  <a:lvl4pPr>
+                    <a:defRPr>
+                      <a:solidFill>
+                        <a:schemeClr val="lt1"/>
+                      </a:solidFill>
+                      <a:latin typeface="+mn-lt"/>
+                      <a:ea typeface="+mn-ea"/>
+                      <a:cs typeface="+mn-cs"/>
+                    </a:defRPr>
+                  </a:lvl4pPr>
+                  <a:lvl5pPr>
+                    <a:defRPr>
+                      <a:solidFill>
+                        <a:schemeClr val="lt1"/>
+                      </a:solidFill>
+                      <a:latin typeface="+mn-lt"/>
+                      <a:ea typeface="+mn-ea"/>
+                      <a:cs typeface="+mn-cs"/>
+                    </a:defRPr>
+                  </a:lvl5pPr>
+                  <a:lvl6pPr>
+                    <a:defRPr>
+                      <a:solidFill>
+                        <a:schemeClr val="lt1"/>
+                      </a:solidFill>
+                      <a:latin typeface="+mn-lt"/>
+                      <a:ea typeface="+mn-ea"/>
+                      <a:cs typeface="+mn-cs"/>
+                    </a:defRPr>
+                  </a:lvl6pPr>
+                  <a:lvl7pPr>
+                    <a:defRPr>
+                      <a:solidFill>
+                        <a:schemeClr val="lt1"/>
+                      </a:solidFill>
+                      <a:latin typeface="+mn-lt"/>
+                      <a:ea typeface="+mn-ea"/>
+                      <a:cs typeface="+mn-cs"/>
+                    </a:defRPr>
+                  </a:lvl7pPr>
+                  <a:lvl8pPr>
+                    <a:defRPr>
+                      <a:solidFill>
+                        <a:schemeClr val="lt1"/>
+                      </a:solidFill>
+                      <a:latin typeface="+mn-lt"/>
+                      <a:ea typeface="+mn-ea"/>
+                      <a:cs typeface="+mn-cs"/>
+                    </a:defRPr>
+                  </a:lvl8pPr>
+                  <a:lvl9pPr>
+                    <a:defRPr>
+                      <a:solidFill>
+                        <a:schemeClr val="lt1"/>
+                      </a:solidFill>
+                      <a:latin typeface="+mn-lt"/>
+                      <a:ea typeface="+mn-ea"/>
+                      <a:cs typeface="+mn-cs"/>
+                    </a:defRPr>
+                  </a:lvl9pPr>
+                </a:lstStyle>
+                <a:p>
+                  <a:pPr algn="ctr" fontAlgn="auto">
+                    <a:spcBef>
+                      <a:spcPts val="0"/>
+                    </a:spcBef>
+                    <a:spcAft>
+                      <a:spcPts val="0"/>
+                    </a:spcAft>
+                  </a:pPr>
+                  <a:endParaRPr lang="en-US" sz="1400" dirty="0" smtClean="0">
+                    <a:solidFill>
+                      <a:prstClr val="white"/>
+                    </a:solidFill>
+                    <a:latin typeface="Calibri"/>
+                  </a:endParaRPr>
+                </a:p>
+              </p:txBody>
+            </p:sp>
+            <p:sp>
+              <p:nvSpPr>
+                <p:cNvPr id="110" name="Rounded Rectangle 109"/>
+                <p:cNvSpPr/>
+                <p:nvPr/>
+              </p:nvSpPr>
+              <p:spPr>
+                <a:xfrm>
+                  <a:off x="4830046" y="4951916"/>
+                  <a:ext cx="1219200" cy="533399"/>
+                </a:xfrm>
+                <a:prstGeom prst="roundRect">
+                  <a:avLst/>
+                </a:prstGeom>
+                <a:solidFill>
+                  <a:schemeClr val="tx2">
+                    <a:lumMod val="60000"/>
+                    <a:lumOff val="40000"/>
+                  </a:schemeClr>
+                </a:solidFill>
+              </p:spPr>
+              <p:style>
+                <a:lnRef idx="1">
+                  <a:schemeClr val="accent1"/>
+                </a:lnRef>
+                <a:fillRef idx="3">
+                  <a:schemeClr val="accent1"/>
+                </a:fillRef>
+                <a:effectRef idx="2">
+                  <a:schemeClr val="accent1"/>
+                </a:effectRef>
+                <a:fontRef idx="minor">
+                  <a:schemeClr val="lt1"/>
+                </a:fontRef>
+              </p:style>
+              <p:txBody>
+                <a:bodyPr rtlCol="0" anchor="ctr"/>
+                <a:lstStyle>
+                  <a:lvl1pPr>
+                    <a:defRPr>
+                      <a:solidFill>
+                        <a:schemeClr val="lt1"/>
+                      </a:solidFill>
+                      <a:latin typeface="+mn-lt"/>
+                      <a:ea typeface="+mn-ea"/>
+                      <a:cs typeface="+mn-cs"/>
+                    </a:defRPr>
+                  </a:lvl1pPr>
+                  <a:lvl2pPr>
+                    <a:defRPr>
+                      <a:solidFill>
+                        <a:schemeClr val="lt1"/>
+                      </a:solidFill>
+                      <a:latin typeface="+mn-lt"/>
+                      <a:ea typeface="+mn-ea"/>
+                      <a:cs typeface="+mn-cs"/>
+                    </a:defRPr>
+                  </a:lvl2pPr>
+                  <a:lvl3pPr>
+                    <a:defRPr>
+                      <a:solidFill>
+                        <a:schemeClr val="lt1"/>
+                      </a:solidFill>
+                      <a:latin typeface="+mn-lt"/>
+                      <a:ea typeface="+mn-ea"/>
+                      <a:cs typeface="+mn-cs"/>
+                    </a:defRPr>
+                  </a:lvl3pPr>
+                  <a:lvl4pPr>
+                    <a:defRPr>
+                      <a:solidFill>
+                        <a:schemeClr val="lt1"/>
+                      </a:solidFill>
+                      <a:latin typeface="+mn-lt"/>
+                      <a:ea typeface="+mn-ea"/>
+                      <a:cs typeface="+mn-cs"/>
+                    </a:defRPr>
+                  </a:lvl4pPr>
+                  <a:lvl5pPr>
+                    <a:defRPr>
+                      <a:solidFill>
+                        <a:schemeClr val="lt1"/>
+                      </a:solidFill>
+                      <a:latin typeface="+mn-lt"/>
+                      <a:ea typeface="+mn-ea"/>
+                      <a:cs typeface="+mn-cs"/>
+                    </a:defRPr>
+                  </a:lvl5pPr>
+                  <a:lvl6pPr>
+                    <a:defRPr>
+                      <a:solidFill>
+                        <a:schemeClr val="lt1"/>
+                      </a:solidFill>
+                      <a:latin typeface="+mn-lt"/>
+                      <a:ea typeface="+mn-ea"/>
+                      <a:cs typeface="+mn-cs"/>
+                    </a:defRPr>
+                  </a:lvl6pPr>
+                  <a:lvl7pPr>
+                    <a:defRPr>
+                      <a:solidFill>
+                        <a:schemeClr val="lt1"/>
+                      </a:solidFill>
+                      <a:latin typeface="+mn-lt"/>
+                      <a:ea typeface="+mn-ea"/>
+                      <a:cs typeface="+mn-cs"/>
+                    </a:defRPr>
+                  </a:lvl7pPr>
+                  <a:lvl8pPr>
+                    <a:defRPr>
+                      <a:solidFill>
+                        <a:schemeClr val="lt1"/>
+                      </a:solidFill>
+                      <a:latin typeface="+mn-lt"/>
+                      <a:ea typeface="+mn-ea"/>
+                      <a:cs typeface="+mn-cs"/>
+                    </a:defRPr>
+                  </a:lvl8pPr>
+                  <a:lvl9pPr>
+                    <a:defRPr>
+                      <a:solidFill>
+                        <a:schemeClr val="lt1"/>
+                      </a:solidFill>
+                      <a:latin typeface="+mn-lt"/>
+                      <a:ea typeface="+mn-ea"/>
+                      <a:cs typeface="+mn-cs"/>
+                    </a:defRPr>
+                  </a:lvl9pPr>
+                </a:lstStyle>
+                <a:p>
+                  <a:pPr algn="ctr" fontAlgn="auto">
+                    <a:spcBef>
+                      <a:spcPts val="0"/>
+                    </a:spcBef>
+                    <a:spcAft>
+                      <a:spcPts val="0"/>
+                    </a:spcAft>
+                  </a:pPr>
+                  <a:r>
+                    <a:rPr lang="en-US" sz="1400" dirty="0" smtClean="0">
+                      <a:solidFill>
+                        <a:prstClr val="white"/>
+                      </a:solidFill>
+                      <a:latin typeface="Calibri"/>
+                    </a:rPr>
+                    <a:t>mark</a:t>
+                  </a:r>
+                  <a:endParaRPr lang="en-US" sz="1400" dirty="0">
+                    <a:solidFill>
+                      <a:prstClr val="white"/>
+                    </a:solidFill>
+                    <a:latin typeface="Calibri"/>
+                  </a:endParaRPr>
+                </a:p>
+              </p:txBody>
+            </p:sp>
+            <p:sp>
+              <p:nvSpPr>
+                <p:cNvPr id="111" name="Rounded Rectangle 110"/>
+                <p:cNvSpPr/>
+                <p:nvPr/>
+              </p:nvSpPr>
+              <p:spPr>
+                <a:xfrm>
+                  <a:off x="4753847" y="5104315"/>
+                  <a:ext cx="1219200" cy="533400"/>
+                </a:xfrm>
+                <a:prstGeom prst="roundRect">
+                  <a:avLst/>
+                </a:prstGeom>
+                <a:solidFill>
+                  <a:schemeClr val="accent6"/>
+                </a:solidFill>
+              </p:spPr>
+              <p:style>
+                <a:lnRef idx="1">
+                  <a:schemeClr val="accent1"/>
+                </a:lnRef>
+                <a:fillRef idx="3">
+                  <a:schemeClr val="accent1"/>
+                </a:fillRef>
+                <a:effectRef idx="2">
+                  <a:schemeClr val="accent1"/>
+                </a:effectRef>
+                <a:fontRef idx="minor">
+                  <a:schemeClr val="lt1"/>
+                </a:fontRef>
+              </p:style>
+              <p:txBody>
+                <a:bodyPr rtlCol="0" anchor="ctr"/>
+                <a:lstStyle>
+                  <a:lvl1pPr>
+                    <a:defRPr>
+                      <a:solidFill>
+                        <a:schemeClr val="lt1"/>
+                      </a:solidFill>
+                      <a:latin typeface="+mn-lt"/>
+                      <a:ea typeface="+mn-ea"/>
+                      <a:cs typeface="+mn-cs"/>
+                    </a:defRPr>
+                  </a:lvl1pPr>
+                  <a:lvl2pPr>
+                    <a:defRPr>
+                      <a:solidFill>
+                        <a:schemeClr val="lt1"/>
+                      </a:solidFill>
+                      <a:latin typeface="+mn-lt"/>
+                      <a:ea typeface="+mn-ea"/>
+                      <a:cs typeface="+mn-cs"/>
+                    </a:defRPr>
+                  </a:lvl2pPr>
+                  <a:lvl3pPr>
+                    <a:defRPr>
+                      <a:solidFill>
+                        <a:schemeClr val="lt1"/>
+                      </a:solidFill>
+                      <a:latin typeface="+mn-lt"/>
+                      <a:ea typeface="+mn-ea"/>
+                      <a:cs typeface="+mn-cs"/>
+                    </a:defRPr>
+                  </a:lvl3pPr>
+                  <a:lvl4pPr>
+                    <a:defRPr>
+                      <a:solidFill>
+                        <a:schemeClr val="lt1"/>
+                      </a:solidFill>
+                      <a:latin typeface="+mn-lt"/>
+                      <a:ea typeface="+mn-ea"/>
+                      <a:cs typeface="+mn-cs"/>
+                    </a:defRPr>
+                  </a:lvl4pPr>
+                  <a:lvl5pPr>
+                    <a:defRPr>
+                      <a:solidFill>
+                        <a:schemeClr val="lt1"/>
+                      </a:solidFill>
+                      <a:latin typeface="+mn-lt"/>
+                      <a:ea typeface="+mn-ea"/>
+                      <a:cs typeface="+mn-cs"/>
+                    </a:defRPr>
+                  </a:lvl5pPr>
+                  <a:lvl6pPr>
+                    <a:defRPr>
+                      <a:solidFill>
+                        <a:schemeClr val="lt1"/>
+                      </a:solidFill>
+                      <a:latin typeface="+mn-lt"/>
+                      <a:ea typeface="+mn-ea"/>
+                      <a:cs typeface="+mn-cs"/>
+                    </a:defRPr>
+                  </a:lvl6pPr>
+                  <a:lvl7pPr>
+                    <a:defRPr>
+                      <a:solidFill>
+                        <a:schemeClr val="lt1"/>
+                      </a:solidFill>
+                      <a:latin typeface="+mn-lt"/>
+                      <a:ea typeface="+mn-ea"/>
+                      <a:cs typeface="+mn-cs"/>
+                    </a:defRPr>
+                  </a:lvl7pPr>
+                  <a:lvl8pPr>
+                    <a:defRPr>
+                      <a:solidFill>
+                        <a:schemeClr val="lt1"/>
+                      </a:solidFill>
+                      <a:latin typeface="+mn-lt"/>
+                      <a:ea typeface="+mn-ea"/>
+                      <a:cs typeface="+mn-cs"/>
+                    </a:defRPr>
+                  </a:lvl8pPr>
+                  <a:lvl9pPr>
+                    <a:defRPr>
+                      <a:solidFill>
+                        <a:schemeClr val="lt1"/>
+                      </a:solidFill>
+                      <a:latin typeface="+mn-lt"/>
+                      <a:ea typeface="+mn-ea"/>
+                      <a:cs typeface="+mn-cs"/>
+                    </a:defRPr>
+                  </a:lvl9pPr>
+                </a:lstStyle>
+                <a:p>
+                  <a:pPr algn="ctr" fontAlgn="auto">
+                    <a:spcBef>
+                      <a:spcPts val="0"/>
+                    </a:spcBef>
+                    <a:spcAft>
+                      <a:spcPts val="0"/>
+                    </a:spcAft>
+                  </a:pPr>
+                  <a:r>
+                    <a:rPr lang="en-US" sz="1200" dirty="0" smtClean="0">
+                      <a:solidFill>
+                        <a:srgbClr val="1F497D"/>
+                      </a:solidFill>
+                      <a:latin typeface="Calibri"/>
+                      <a:sym typeface="Wingdings"/>
+                    </a:rPr>
+                    <a:t>Site info</a:t>
+                  </a:r>
+                  <a:endParaRPr lang="en-US" sz="1200" dirty="0" smtClean="0">
+                    <a:solidFill>
+                      <a:srgbClr val="1F497D"/>
+                    </a:solidFill>
+                    <a:latin typeface="Calibri"/>
+                  </a:endParaRPr>
+                </a:p>
+              </p:txBody>
+            </p:sp>
+          </p:grpSp>
+        </p:grpSp>
       </p:grpSp>
     </p:spTree>
     <p:extLst>
